--- a/[JAVA]/C3/TA15/ta15.pptx
+++ b/[JAVA]/C3/TA15/ta15.pptx
@@ -10,14 +10,6 @@
     <p:sldId id="265" r:id="rId4"/>
     <p:sldId id="266" r:id="rId5"/>
     <p:sldId id="267" r:id="rId6"/>
-    <p:sldId id="268" r:id="rId7"/>
-    <p:sldId id="269" r:id="rId8"/>
-    <p:sldId id="270" r:id="rId9"/>
-    <p:sldId id="271" r:id="rId10"/>
-    <p:sldId id="272" r:id="rId11"/>
-    <p:sldId id="273" r:id="rId12"/>
-    <p:sldId id="274" r:id="rId13"/>
-    <p:sldId id="275" r:id="rId14"/>
   </p:sldIdLst>
   <p:sldSz cx="12192000" cy="6858000"/>
   <p:notesSz cx="6858000" cy="9144000"/>
@@ -126,14 +118,6 @@
             <p14:sldId id="265"/>
             <p14:sldId id="266"/>
             <p14:sldId id="267"/>
-            <p14:sldId id="268"/>
-            <p14:sldId id="269"/>
-            <p14:sldId id="270"/>
-            <p14:sldId id="271"/>
-            <p14:sldId id="272"/>
-            <p14:sldId id="273"/>
-            <p14:sldId id="274"/>
-            <p14:sldId id="275"/>
           </p14:sldIdLst>
         </p14:section>
       </p14:sectionLst>
@@ -292,7 +276,7 @@
           <a:p>
             <a:fld id="{C444815F-0780-4F4C-8CAB-34D9B3259EB9}" type="datetimeFigureOut">
               <a:rPr lang="es-ES" smtClean="0"/>
-              <a:t>19/04/2024</a:t>
+              <a:t>22/04/2024</a:t>
             </a:fld>
             <a:endParaRPr lang="es-ES" dirty="0"/>
           </a:p>
@@ -490,7 +474,7 @@
           <a:p>
             <a:fld id="{C444815F-0780-4F4C-8CAB-34D9B3259EB9}" type="datetimeFigureOut">
               <a:rPr lang="es-ES" smtClean="0"/>
-              <a:t>19/04/2024</a:t>
+              <a:t>22/04/2024</a:t>
             </a:fld>
             <a:endParaRPr lang="es-ES" dirty="0"/>
           </a:p>
@@ -698,7 +682,7 @@
           <a:p>
             <a:fld id="{C444815F-0780-4F4C-8CAB-34D9B3259EB9}" type="datetimeFigureOut">
               <a:rPr lang="es-ES" smtClean="0"/>
-              <a:t>19/04/2024</a:t>
+              <a:t>22/04/2024</a:t>
             </a:fld>
             <a:endParaRPr lang="es-ES" dirty="0"/>
           </a:p>
@@ -896,7 +880,7 @@
           <a:p>
             <a:fld id="{C444815F-0780-4F4C-8CAB-34D9B3259EB9}" type="datetimeFigureOut">
               <a:rPr lang="es-ES" smtClean="0"/>
-              <a:t>19/04/2024</a:t>
+              <a:t>22/04/2024</a:t>
             </a:fld>
             <a:endParaRPr lang="es-ES" dirty="0"/>
           </a:p>
@@ -1171,7 +1155,7 @@
           <a:p>
             <a:fld id="{C444815F-0780-4F4C-8CAB-34D9B3259EB9}" type="datetimeFigureOut">
               <a:rPr lang="es-ES" smtClean="0"/>
-              <a:t>19/04/2024</a:t>
+              <a:t>22/04/2024</a:t>
             </a:fld>
             <a:endParaRPr lang="es-ES" dirty="0"/>
           </a:p>
@@ -1436,7 +1420,7 @@
           <a:p>
             <a:fld id="{C444815F-0780-4F4C-8CAB-34D9B3259EB9}" type="datetimeFigureOut">
               <a:rPr lang="es-ES" smtClean="0"/>
-              <a:t>19/04/2024</a:t>
+              <a:t>22/04/2024</a:t>
             </a:fld>
             <a:endParaRPr lang="es-ES" dirty="0"/>
           </a:p>
@@ -1848,7 +1832,7 @@
           <a:p>
             <a:fld id="{C444815F-0780-4F4C-8CAB-34D9B3259EB9}" type="datetimeFigureOut">
               <a:rPr lang="es-ES" smtClean="0"/>
-              <a:t>19/04/2024</a:t>
+              <a:t>22/04/2024</a:t>
             </a:fld>
             <a:endParaRPr lang="es-ES" dirty="0"/>
           </a:p>
@@ -1989,7 +1973,7 @@
           <a:p>
             <a:fld id="{C444815F-0780-4F4C-8CAB-34D9B3259EB9}" type="datetimeFigureOut">
               <a:rPr lang="es-ES" smtClean="0"/>
-              <a:t>19/04/2024</a:t>
+              <a:t>22/04/2024</a:t>
             </a:fld>
             <a:endParaRPr lang="es-ES" dirty="0"/>
           </a:p>
@@ -2102,7 +2086,7 @@
           <a:p>
             <a:fld id="{C444815F-0780-4F4C-8CAB-34D9B3259EB9}" type="datetimeFigureOut">
               <a:rPr lang="es-ES" smtClean="0"/>
-              <a:t>19/04/2024</a:t>
+              <a:t>22/04/2024</a:t>
             </a:fld>
             <a:endParaRPr lang="es-ES" dirty="0"/>
           </a:p>
@@ -2413,7 +2397,7 @@
           <a:p>
             <a:fld id="{C444815F-0780-4F4C-8CAB-34D9B3259EB9}" type="datetimeFigureOut">
               <a:rPr lang="es-ES" smtClean="0"/>
-              <a:t>19/04/2024</a:t>
+              <a:t>22/04/2024</a:t>
             </a:fld>
             <a:endParaRPr lang="es-ES" dirty="0"/>
           </a:p>
@@ -2701,7 +2685,7 @@
           <a:p>
             <a:fld id="{C444815F-0780-4F4C-8CAB-34D9B3259EB9}" type="datetimeFigureOut">
               <a:rPr lang="es-ES" smtClean="0"/>
-              <a:t>19/04/2024</a:t>
+              <a:t>22/04/2024</a:t>
             </a:fld>
             <a:endParaRPr lang="es-ES" dirty="0"/>
           </a:p>
@@ -2942,7 +2926,7 @@
           <a:p>
             <a:fld id="{C444815F-0780-4F4C-8CAB-34D9B3259EB9}" type="datetimeFigureOut">
               <a:rPr lang="es-ES" smtClean="0"/>
-              <a:t>19/04/2024</a:t>
+              <a:t>22/04/2024</a:t>
             </a:fld>
             <a:endParaRPr lang="es-ES" dirty="0"/>
           </a:p>
@@ -3423,10 +3407,10 @@
       </p:pic>
       <p:pic>
         <p:nvPicPr>
-          <p:cNvPr id="5" name="Imagen 4">
-            <a:extLst>
-              <a:ext uri="{FF2B5EF4-FFF2-40B4-BE49-F238E27FC236}">
-                <a16:creationId xmlns:a16="http://schemas.microsoft.com/office/drawing/2014/main" id="{107E65B4-3929-91D6-1F74-722A70448B63}"/>
+          <p:cNvPr id="6" name="Imagen 5">
+            <a:extLst>
+              <a:ext uri="{FF2B5EF4-FFF2-40B4-BE49-F238E27FC236}">
+                <a16:creationId xmlns:a16="http://schemas.microsoft.com/office/drawing/2014/main" id="{145CA13A-8C02-EA4A-906F-C192014E06E6}"/>
               </a:ext>
             </a:extLst>
           </p:cNvPr>
@@ -3443,8 +3427,8 @@
         </p:blipFill>
         <p:spPr>
           <a:xfrm>
-            <a:off x="3618510" y="348739"/>
-            <a:ext cx="4954980" cy="919622"/>
+            <a:off x="3639865" y="487250"/>
+            <a:ext cx="4912269" cy="879434"/>
           </a:xfrm>
           <a:prstGeom prst="rect">
             <a:avLst/>
@@ -3455,703 +3439,6 @@
     <p:extLst>
       <p:ext uri="{BB962C8B-B14F-4D97-AF65-F5344CB8AC3E}">
         <p14:creationId xmlns:p14="http://schemas.microsoft.com/office/powerpoint/2010/main" val="2888762127"/>
-      </p:ext>
-    </p:extLst>
-  </p:cSld>
-  <p:clrMapOvr>
-    <a:masterClrMapping/>
-  </p:clrMapOvr>
-</p:sld>
-</file>
-
-<file path=ppt/slides/slide10.xml><?xml version="1.0" encoding="utf-8"?>
-<p:sld xmlns:a="http://schemas.openxmlformats.org/drawingml/2006/main" xmlns:r="http://schemas.openxmlformats.org/officeDocument/2006/relationships" xmlns:p="http://schemas.openxmlformats.org/presentationml/2006/main">
-  <p:cSld>
-    <p:spTree>
-      <p:nvGrpSpPr>
-        <p:cNvPr id="1" name=""/>
-        <p:cNvGrpSpPr/>
-        <p:nvPr/>
-      </p:nvGrpSpPr>
-      <p:grpSpPr>
-        <a:xfrm>
-          <a:off x="0" y="0"/>
-          <a:ext cx="0" cy="0"/>
-          <a:chOff x="0" y="0"/>
-          <a:chExt cx="0" cy="0"/>
-        </a:xfrm>
-      </p:grpSpPr>
-      <p:sp>
-        <p:nvSpPr>
-          <p:cNvPr id="9" name="CuadroTexto 8">
-            <a:extLst>
-              <a:ext uri="{FF2B5EF4-FFF2-40B4-BE49-F238E27FC236}">
-                <a16:creationId xmlns:a16="http://schemas.microsoft.com/office/drawing/2014/main" id="{00243663-38C8-E705-C618-AE8338FD2971}"/>
-              </a:ext>
-            </a:extLst>
-          </p:cNvPr>
-          <p:cNvSpPr txBox="1"/>
-          <p:nvPr/>
-        </p:nvSpPr>
-        <p:spPr>
-          <a:xfrm>
-            <a:off x="3215065" y="3429000"/>
-            <a:ext cx="5504171" cy="646331"/>
-          </a:xfrm>
-          <a:prstGeom prst="rect">
-            <a:avLst/>
-          </a:prstGeom>
-          <a:noFill/>
-        </p:spPr>
-        <p:txBody>
-          <a:bodyPr wrap="square" rtlCol="0">
-            <a:spAutoFit/>
-          </a:bodyPr>
-          <a:lstStyle/>
-          <a:p>
-            <a:r>
-              <a:rPr lang="es-ES" dirty="0"/>
-              <a:t>La tabla </a:t>
-            </a:r>
-            <a:r>
-              <a:rPr lang="es-ES" i="1" dirty="0"/>
-              <a:t>asignado_a</a:t>
-            </a:r>
-            <a:r>
-              <a:rPr lang="es-ES" dirty="0"/>
-              <a:t> utiliza como fk el </a:t>
-            </a:r>
-            <a:r>
-              <a:rPr lang="es-ES" u="sng" dirty="0"/>
-              <a:t>id_proyecto</a:t>
-            </a:r>
-            <a:r>
-              <a:rPr lang="es-ES" dirty="0"/>
-              <a:t> de la tabla </a:t>
-            </a:r>
-            <a:r>
-              <a:rPr lang="es-ES" i="1" dirty="0"/>
-              <a:t>proyecto</a:t>
-            </a:r>
-            <a:r>
-              <a:rPr lang="es-ES" dirty="0"/>
-              <a:t> y </a:t>
-            </a:r>
-            <a:r>
-              <a:rPr lang="es-ES" u="sng" dirty="0"/>
-              <a:t>DNI</a:t>
-            </a:r>
-            <a:r>
-              <a:rPr lang="es-ES" dirty="0"/>
-              <a:t> de la tabla </a:t>
-            </a:r>
-            <a:r>
-              <a:rPr lang="es-ES" i="1" dirty="0"/>
-              <a:t>cientificos</a:t>
-            </a:r>
-            <a:r>
-              <a:rPr lang="es-ES" dirty="0"/>
-              <a:t>. </a:t>
-            </a:r>
-          </a:p>
-        </p:txBody>
-      </p:sp>
-      <p:pic>
-        <p:nvPicPr>
-          <p:cNvPr id="3" name="Imagen 2">
-            <a:extLst>
-              <a:ext uri="{FF2B5EF4-FFF2-40B4-BE49-F238E27FC236}">
-                <a16:creationId xmlns:a16="http://schemas.microsoft.com/office/drawing/2014/main" id="{C007446C-BC7C-B442-7101-CA88344EC7A0}"/>
-              </a:ext>
-            </a:extLst>
-          </p:cNvPr>
-          <p:cNvPicPr>
-            <a:picLocks noChangeAspect="1"/>
-          </p:cNvPicPr>
-          <p:nvPr/>
-        </p:nvPicPr>
-        <p:blipFill>
-          <a:blip r:embed="rId2"/>
-          <a:stretch>
-            <a:fillRect/>
-          </a:stretch>
-        </p:blipFill>
-        <p:spPr>
-          <a:xfrm>
-            <a:off x="776218" y="1022772"/>
-            <a:ext cx="10722712" cy="1828583"/>
-          </a:xfrm>
-          <a:prstGeom prst="rect">
-            <a:avLst/>
-          </a:prstGeom>
-        </p:spPr>
-      </p:pic>
-      <p:pic>
-        <p:nvPicPr>
-          <p:cNvPr id="7" name="Imagen 6">
-            <a:extLst>
-              <a:ext uri="{FF2B5EF4-FFF2-40B4-BE49-F238E27FC236}">
-                <a16:creationId xmlns:a16="http://schemas.microsoft.com/office/drawing/2014/main" id="{187D7475-E469-2171-A4FE-E6D7FDB8C8DF}"/>
-              </a:ext>
-            </a:extLst>
-          </p:cNvPr>
-          <p:cNvPicPr>
-            <a:picLocks noChangeAspect="1"/>
-          </p:cNvPicPr>
-          <p:nvPr/>
-        </p:nvPicPr>
-        <p:blipFill>
-          <a:blip r:embed="rId3"/>
-          <a:stretch>
-            <a:fillRect/>
-          </a:stretch>
-        </p:blipFill>
-        <p:spPr>
-          <a:xfrm>
-            <a:off x="600569" y="389500"/>
-            <a:ext cx="3066863" cy="496370"/>
-          </a:xfrm>
-          <a:prstGeom prst="rect">
-            <a:avLst/>
-          </a:prstGeom>
-        </p:spPr>
-      </p:pic>
-    </p:spTree>
-    <p:extLst>
-      <p:ext uri="{BB962C8B-B14F-4D97-AF65-F5344CB8AC3E}">
-        <p14:creationId xmlns:p14="http://schemas.microsoft.com/office/powerpoint/2010/main" val="1974099319"/>
-      </p:ext>
-    </p:extLst>
-  </p:cSld>
-  <p:clrMapOvr>
-    <a:masterClrMapping/>
-  </p:clrMapOvr>
-</p:sld>
-</file>
-
-<file path=ppt/slides/slide11.xml><?xml version="1.0" encoding="utf-8"?>
-<p:sld xmlns:a="http://schemas.openxmlformats.org/drawingml/2006/main" xmlns:r="http://schemas.openxmlformats.org/officeDocument/2006/relationships" xmlns:p="http://schemas.openxmlformats.org/presentationml/2006/main">
-  <p:cSld>
-    <p:spTree>
-      <p:nvGrpSpPr>
-        <p:cNvPr id="1" name=""/>
-        <p:cNvGrpSpPr/>
-        <p:nvPr/>
-      </p:nvGrpSpPr>
-      <p:grpSpPr>
-        <a:xfrm>
-          <a:off x="0" y="0"/>
-          <a:ext cx="0" cy="0"/>
-          <a:chOff x="0" y="0"/>
-          <a:chExt cx="0" cy="0"/>
-        </a:xfrm>
-      </p:grpSpPr>
-      <p:pic>
-        <p:nvPicPr>
-          <p:cNvPr id="10" name="Imagen 9">
-            <a:extLst>
-              <a:ext uri="{FF2B5EF4-FFF2-40B4-BE49-F238E27FC236}">
-                <a16:creationId xmlns:a16="http://schemas.microsoft.com/office/drawing/2014/main" id="{511C631F-9BF6-9E83-552D-B876935512CE}"/>
-              </a:ext>
-            </a:extLst>
-          </p:cNvPr>
-          <p:cNvPicPr>
-            <a:picLocks noChangeAspect="1"/>
-          </p:cNvPicPr>
-          <p:nvPr/>
-        </p:nvPicPr>
-        <p:blipFill>
-          <a:blip r:embed="rId2"/>
-          <a:stretch>
-            <a:fillRect/>
-          </a:stretch>
-        </p:blipFill>
-        <p:spPr>
-          <a:xfrm>
-            <a:off x="600569" y="389499"/>
-            <a:ext cx="4112781" cy="496369"/>
-          </a:xfrm>
-          <a:prstGeom prst="rect">
-            <a:avLst/>
-          </a:prstGeom>
-        </p:spPr>
-      </p:pic>
-      <p:pic>
-        <p:nvPicPr>
-          <p:cNvPr id="4" name="Imagen 3">
-            <a:extLst>
-              <a:ext uri="{FF2B5EF4-FFF2-40B4-BE49-F238E27FC236}">
-                <a16:creationId xmlns:a16="http://schemas.microsoft.com/office/drawing/2014/main" id="{61088610-C914-29D8-52D3-F90818DAB673}"/>
-              </a:ext>
-            </a:extLst>
-          </p:cNvPr>
-          <p:cNvPicPr>
-            <a:picLocks noChangeAspect="1"/>
-          </p:cNvPicPr>
-          <p:nvPr/>
-        </p:nvPicPr>
-        <p:blipFill rotWithShape="1">
-          <a:blip r:embed="rId3"/>
-          <a:srcRect l="2572" r="1272"/>
-          <a:stretch/>
-        </p:blipFill>
-        <p:spPr>
-          <a:xfrm>
-            <a:off x="294968" y="885870"/>
-            <a:ext cx="11897032" cy="2960582"/>
-          </a:xfrm>
-          <a:prstGeom prst="rect">
-            <a:avLst/>
-          </a:prstGeom>
-        </p:spPr>
-      </p:pic>
-      <p:sp>
-        <p:nvSpPr>
-          <p:cNvPr id="9" name="CuadroTexto 8">
-            <a:extLst>
-              <a:ext uri="{FF2B5EF4-FFF2-40B4-BE49-F238E27FC236}">
-                <a16:creationId xmlns:a16="http://schemas.microsoft.com/office/drawing/2014/main" id="{00243663-38C8-E705-C618-AE8338FD2971}"/>
-              </a:ext>
-            </a:extLst>
-          </p:cNvPr>
-          <p:cNvSpPr txBox="1"/>
-          <p:nvPr/>
-        </p:nvSpPr>
-        <p:spPr>
-          <a:xfrm>
-            <a:off x="1858214" y="3635476"/>
-            <a:ext cx="5504171" cy="923330"/>
-          </a:xfrm>
-          <a:prstGeom prst="rect">
-            <a:avLst/>
-          </a:prstGeom>
-          <a:noFill/>
-        </p:spPr>
-        <p:txBody>
-          <a:bodyPr wrap="square" rtlCol="0">
-            <a:spAutoFit/>
-          </a:bodyPr>
-          <a:lstStyle/>
-          <a:p>
-            <a:r>
-              <a:rPr lang="es-ES" dirty="0"/>
-              <a:t>La tabla </a:t>
-            </a:r>
-            <a:r>
-              <a:rPr lang="es-ES" i="1" dirty="0"/>
-              <a:t>venta </a:t>
-            </a:r>
-            <a:r>
-              <a:rPr lang="es-ES" dirty="0"/>
-              <a:t>utiliza como fk el </a:t>
-            </a:r>
-            <a:r>
-              <a:rPr lang="es-ES" u="sng" dirty="0"/>
-              <a:t>cod_prodcutos</a:t>
-            </a:r>
-            <a:r>
-              <a:rPr lang="es-ES" dirty="0"/>
-              <a:t> de la tabla </a:t>
-            </a:r>
-            <a:r>
-              <a:rPr lang="es-ES" i="1" dirty="0"/>
-              <a:t>productos, </a:t>
-            </a:r>
-            <a:r>
-              <a:rPr lang="es-ES" dirty="0"/>
-              <a:t>el </a:t>
-            </a:r>
-            <a:r>
-              <a:rPr lang="es-ES" u="sng" dirty="0"/>
-              <a:t>cod_maq</a:t>
-            </a:r>
-            <a:r>
-              <a:rPr lang="es-ES" dirty="0"/>
-              <a:t> de </a:t>
-            </a:r>
-            <a:r>
-              <a:rPr lang="es-ES" i="1" dirty="0"/>
-              <a:t>maq_registradoras</a:t>
-            </a:r>
-            <a:r>
-              <a:rPr lang="es-ES" dirty="0"/>
-              <a:t> y </a:t>
-            </a:r>
-            <a:r>
-              <a:rPr lang="es-ES" u="sng" dirty="0"/>
-              <a:t>cod_cajero</a:t>
-            </a:r>
-            <a:r>
-              <a:rPr lang="es-ES" dirty="0"/>
-              <a:t> de la tabla </a:t>
-            </a:r>
-            <a:r>
-              <a:rPr lang="es-ES" i="1" dirty="0"/>
-              <a:t>cajeros</a:t>
-            </a:r>
-            <a:r>
-              <a:rPr lang="es-ES" dirty="0"/>
-              <a:t>. </a:t>
-            </a:r>
-          </a:p>
-        </p:txBody>
-      </p:sp>
-    </p:spTree>
-    <p:extLst>
-      <p:ext uri="{BB962C8B-B14F-4D97-AF65-F5344CB8AC3E}">
-        <p14:creationId xmlns:p14="http://schemas.microsoft.com/office/powerpoint/2010/main" val="384129424"/>
-      </p:ext>
-    </p:extLst>
-  </p:cSld>
-  <p:clrMapOvr>
-    <a:masterClrMapping/>
-  </p:clrMapOvr>
-</p:sld>
-</file>
-
-<file path=ppt/slides/slide12.xml><?xml version="1.0" encoding="utf-8"?>
-<p:sld xmlns:a="http://schemas.openxmlformats.org/drawingml/2006/main" xmlns:r="http://schemas.openxmlformats.org/officeDocument/2006/relationships" xmlns:p="http://schemas.openxmlformats.org/presentationml/2006/main">
-  <p:cSld>
-    <p:spTree>
-      <p:nvGrpSpPr>
-        <p:cNvPr id="1" name=""/>
-        <p:cNvGrpSpPr/>
-        <p:nvPr/>
-      </p:nvGrpSpPr>
-      <p:grpSpPr>
-        <a:xfrm>
-          <a:off x="0" y="0"/>
-          <a:ext cx="0" cy="0"/>
-          <a:chOff x="0" y="0"/>
-          <a:chExt cx="0" cy="0"/>
-        </a:xfrm>
-      </p:grpSpPr>
-      <p:sp>
-        <p:nvSpPr>
-          <p:cNvPr id="9" name="CuadroTexto 8">
-            <a:extLst>
-              <a:ext uri="{FF2B5EF4-FFF2-40B4-BE49-F238E27FC236}">
-                <a16:creationId xmlns:a16="http://schemas.microsoft.com/office/drawing/2014/main" id="{00243663-38C8-E705-C618-AE8338FD2971}"/>
-              </a:ext>
-            </a:extLst>
-          </p:cNvPr>
-          <p:cNvSpPr txBox="1"/>
-          <p:nvPr/>
-        </p:nvSpPr>
-        <p:spPr>
-          <a:xfrm>
-            <a:off x="1726305" y="4610702"/>
-            <a:ext cx="8770374" cy="923330"/>
-          </a:xfrm>
-          <a:prstGeom prst="rect">
-            <a:avLst/>
-          </a:prstGeom>
-          <a:noFill/>
-        </p:spPr>
-        <p:txBody>
-          <a:bodyPr wrap="square" rtlCol="0">
-            <a:spAutoFit/>
-          </a:bodyPr>
-          <a:lstStyle/>
-          <a:p>
-            <a:r>
-              <a:rPr lang="es-ES" dirty="0"/>
-              <a:t>La tabla </a:t>
-            </a:r>
-            <a:r>
-              <a:rPr lang="es-ES" i="1" dirty="0"/>
-              <a:t>facultad </a:t>
-            </a:r>
-            <a:r>
-              <a:rPr lang="es-ES" dirty="0"/>
-              <a:t>cede como fk su </a:t>
-            </a:r>
-            <a:r>
-              <a:rPr lang="es-ES" u="sng" dirty="0"/>
-              <a:t>cod_facultad</a:t>
-            </a:r>
-            <a:r>
-              <a:rPr lang="es-ES" dirty="0"/>
-              <a:t> a las tablas </a:t>
-            </a:r>
-            <a:r>
-              <a:rPr lang="es-ES" i="1" dirty="0"/>
-              <a:t>investigadores</a:t>
-            </a:r>
-            <a:r>
-              <a:rPr lang="es-ES" dirty="0"/>
-              <a:t> y </a:t>
-            </a:r>
-            <a:r>
-              <a:rPr lang="es-ES" i="1" dirty="0"/>
-              <a:t>equipos</a:t>
-            </a:r>
-            <a:r>
-              <a:rPr lang="es-ES" dirty="0"/>
-              <a:t>.</a:t>
-            </a:r>
-          </a:p>
-          <a:p>
-            <a:endParaRPr lang="es-ES" dirty="0"/>
-          </a:p>
-          <a:p>
-            <a:r>
-              <a:rPr lang="es-ES" dirty="0"/>
-              <a:t>Éstas, ceden sus pk, </a:t>
-            </a:r>
-            <a:r>
-              <a:rPr lang="es-ES" u="sng" dirty="0"/>
-              <a:t>DNI</a:t>
-            </a:r>
-            <a:r>
-              <a:rPr lang="es-ES" dirty="0"/>
-              <a:t> y </a:t>
-            </a:r>
-            <a:r>
-              <a:rPr lang="es-ES" u="sng" dirty="0"/>
-              <a:t>num_serie</a:t>
-            </a:r>
-            <a:r>
-              <a:rPr lang="es-ES" dirty="0"/>
-              <a:t>, respectivamente, a la tabla </a:t>
-            </a:r>
-            <a:r>
-              <a:rPr lang="es-ES" i="1" dirty="0"/>
-              <a:t>reserva</a:t>
-            </a:r>
-            <a:r>
-              <a:rPr lang="es-ES" dirty="0"/>
-              <a:t>.</a:t>
-            </a:r>
-          </a:p>
-        </p:txBody>
-      </p:sp>
-      <p:pic>
-        <p:nvPicPr>
-          <p:cNvPr id="3" name="Imagen 2">
-            <a:extLst>
-              <a:ext uri="{FF2B5EF4-FFF2-40B4-BE49-F238E27FC236}">
-                <a16:creationId xmlns:a16="http://schemas.microsoft.com/office/drawing/2014/main" id="{26F91E06-D9C5-2170-7CC4-F9C0D79A54CB}"/>
-              </a:ext>
-            </a:extLst>
-          </p:cNvPr>
-          <p:cNvPicPr>
-            <a:picLocks noChangeAspect="1"/>
-          </p:cNvPicPr>
-          <p:nvPr/>
-        </p:nvPicPr>
-        <p:blipFill>
-          <a:blip r:embed="rId2"/>
-          <a:stretch>
-            <a:fillRect/>
-          </a:stretch>
-        </p:blipFill>
-        <p:spPr>
-          <a:xfrm>
-            <a:off x="410400" y="989671"/>
-            <a:ext cx="11402184" cy="3218535"/>
-          </a:xfrm>
-          <a:prstGeom prst="rect">
-            <a:avLst/>
-          </a:prstGeom>
-        </p:spPr>
-      </p:pic>
-      <p:pic>
-        <p:nvPicPr>
-          <p:cNvPr id="8" name="Imagen 7">
-            <a:extLst>
-              <a:ext uri="{FF2B5EF4-FFF2-40B4-BE49-F238E27FC236}">
-                <a16:creationId xmlns:a16="http://schemas.microsoft.com/office/drawing/2014/main" id="{8FED3DE1-722C-9BE3-4870-49CA0FAC9F39}"/>
-              </a:ext>
-            </a:extLst>
-          </p:cNvPr>
-          <p:cNvPicPr>
-            <a:picLocks noChangeAspect="1"/>
-          </p:cNvPicPr>
-          <p:nvPr/>
-        </p:nvPicPr>
-        <p:blipFill>
-          <a:blip r:embed="rId3"/>
-          <a:stretch>
-            <a:fillRect/>
-          </a:stretch>
-        </p:blipFill>
-        <p:spPr>
-          <a:xfrm>
-            <a:off x="600569" y="387040"/>
-            <a:ext cx="3190951" cy="496369"/>
-          </a:xfrm>
-          <a:prstGeom prst="rect">
-            <a:avLst/>
-          </a:prstGeom>
-        </p:spPr>
-      </p:pic>
-    </p:spTree>
-    <p:extLst>
-      <p:ext uri="{BB962C8B-B14F-4D97-AF65-F5344CB8AC3E}">
-        <p14:creationId xmlns:p14="http://schemas.microsoft.com/office/powerpoint/2010/main" val="605886847"/>
-      </p:ext>
-    </p:extLst>
-  </p:cSld>
-  <p:clrMapOvr>
-    <a:masterClrMapping/>
-  </p:clrMapOvr>
-</p:sld>
-</file>
-
-<file path=ppt/slides/slide13.xml><?xml version="1.0" encoding="utf-8"?>
-<p:sld xmlns:a="http://schemas.openxmlformats.org/drawingml/2006/main" xmlns:r="http://schemas.openxmlformats.org/officeDocument/2006/relationships" xmlns:p="http://schemas.openxmlformats.org/presentationml/2006/main">
-  <p:cSld>
-    <p:spTree>
-      <p:nvGrpSpPr>
-        <p:cNvPr id="1" name=""/>
-        <p:cNvGrpSpPr/>
-        <p:nvPr/>
-      </p:nvGrpSpPr>
-      <p:grpSpPr>
-        <a:xfrm>
-          <a:off x="0" y="0"/>
-          <a:ext cx="0" cy="0"/>
-          <a:chOff x="0" y="0"/>
-          <a:chExt cx="0" cy="0"/>
-        </a:xfrm>
-      </p:grpSpPr>
-      <p:pic>
-        <p:nvPicPr>
-          <p:cNvPr id="4" name="Imagen 3">
-            <a:extLst>
-              <a:ext uri="{FF2B5EF4-FFF2-40B4-BE49-F238E27FC236}">
-                <a16:creationId xmlns:a16="http://schemas.microsoft.com/office/drawing/2014/main" id="{B6276FCC-215B-FF58-E9C7-B54002FAB63D}"/>
-              </a:ext>
-            </a:extLst>
-          </p:cNvPr>
-          <p:cNvPicPr>
-            <a:picLocks noChangeAspect="1"/>
-          </p:cNvPicPr>
-          <p:nvPr/>
-        </p:nvPicPr>
-        <p:blipFill>
-          <a:blip r:embed="rId2"/>
-          <a:stretch>
-            <a:fillRect/>
-          </a:stretch>
-        </p:blipFill>
-        <p:spPr>
-          <a:xfrm>
-            <a:off x="1044726" y="391363"/>
-            <a:ext cx="9470083" cy="4896630"/>
-          </a:xfrm>
-          <a:prstGeom prst="rect">
-            <a:avLst/>
-          </a:prstGeom>
-        </p:spPr>
-      </p:pic>
-      <p:sp>
-        <p:nvSpPr>
-          <p:cNvPr id="9" name="CuadroTexto 8">
-            <a:extLst>
-              <a:ext uri="{FF2B5EF4-FFF2-40B4-BE49-F238E27FC236}">
-                <a16:creationId xmlns:a16="http://schemas.microsoft.com/office/drawing/2014/main" id="{00243663-38C8-E705-C618-AE8338FD2971}"/>
-              </a:ext>
-            </a:extLst>
-          </p:cNvPr>
-          <p:cNvSpPr txBox="1"/>
-          <p:nvPr/>
-        </p:nvSpPr>
-        <p:spPr>
-          <a:xfrm>
-            <a:off x="5069273" y="4377947"/>
-            <a:ext cx="6591785" cy="646331"/>
-          </a:xfrm>
-          <a:prstGeom prst="rect">
-            <a:avLst/>
-          </a:prstGeom>
-          <a:noFill/>
-        </p:spPr>
-        <p:txBody>
-          <a:bodyPr wrap="square" rtlCol="0">
-            <a:spAutoFit/>
-          </a:bodyPr>
-          <a:lstStyle/>
-          <a:p>
-            <a:r>
-              <a:rPr lang="es-ES" dirty="0"/>
-              <a:t>La tabla </a:t>
-            </a:r>
-            <a:r>
-              <a:rPr lang="es-ES" i="1" dirty="0"/>
-              <a:t>cursos </a:t>
-            </a:r>
-            <a:r>
-              <a:rPr lang="es-ES" dirty="0"/>
-              <a:t>toma como fk  </a:t>
-            </a:r>
-            <a:r>
-              <a:rPr lang="es-ES" u="sng" dirty="0"/>
-              <a:t>cod_curso</a:t>
-            </a:r>
-            <a:r>
-              <a:rPr lang="es-ES" dirty="0"/>
-              <a:t> de la tabla </a:t>
-            </a:r>
-            <a:r>
-              <a:rPr lang="es-ES" i="1" dirty="0"/>
-              <a:t>alumnos</a:t>
-            </a:r>
-            <a:r>
-              <a:rPr lang="es-ES" dirty="0"/>
-              <a:t> y </a:t>
-            </a:r>
-            <a:r>
-              <a:rPr lang="es-ES" u="sng" dirty="0"/>
-              <a:t>DNI_profesor</a:t>
-            </a:r>
-            <a:r>
-              <a:rPr lang="es-ES" dirty="0"/>
-              <a:t> de la tabla </a:t>
-            </a:r>
-            <a:r>
-              <a:rPr lang="es-ES" i="1" dirty="0"/>
-              <a:t>profesores.</a:t>
-            </a:r>
-            <a:endParaRPr lang="es-ES" dirty="0"/>
-          </a:p>
-        </p:txBody>
-      </p:sp>
-      <p:pic>
-        <p:nvPicPr>
-          <p:cNvPr id="6" name="Imagen 5">
-            <a:extLst>
-              <a:ext uri="{FF2B5EF4-FFF2-40B4-BE49-F238E27FC236}">
-                <a16:creationId xmlns:a16="http://schemas.microsoft.com/office/drawing/2014/main" id="{4BCA4512-B7F4-B830-D553-9418C80015EC}"/>
-              </a:ext>
-            </a:extLst>
-          </p:cNvPr>
-          <p:cNvPicPr>
-            <a:picLocks noChangeAspect="1"/>
-          </p:cNvPicPr>
-          <p:nvPr/>
-        </p:nvPicPr>
-        <p:blipFill>
-          <a:blip r:embed="rId3"/>
-          <a:stretch>
-            <a:fillRect/>
-          </a:stretch>
-        </p:blipFill>
-        <p:spPr>
-          <a:xfrm>
-            <a:off x="600569" y="391363"/>
-            <a:ext cx="2322313" cy="567282"/>
-          </a:xfrm>
-          <a:prstGeom prst="rect">
-            <a:avLst/>
-          </a:prstGeom>
-        </p:spPr>
-      </p:pic>
-    </p:spTree>
-    <p:extLst>
-      <p:ext uri="{BB962C8B-B14F-4D97-AF65-F5344CB8AC3E}">
-        <p14:creationId xmlns:p14="http://schemas.microsoft.com/office/powerpoint/2010/main" val="842839126"/>
       </p:ext>
     </p:extLst>
   </p:cSld>
@@ -4208,23 +3495,11 @@
           <a:p>
             <a:r>
               <a:rPr lang="es-ES" dirty="0"/>
-              <a:t>He utilizado </a:t>
-            </a:r>
-            <a:r>
-              <a:rPr lang="es-ES" dirty="0" err="1"/>
-              <a:t>AutoIncrement</a:t>
-            </a:r>
-            <a:r>
-              <a:rPr lang="es-ES" dirty="0"/>
-              <a:t> para no tener que generar </a:t>
-            </a:r>
-            <a:r>
-              <a:rPr lang="es-ES" u="sng" dirty="0" err="1"/>
-              <a:t>num_despacho</a:t>
+              <a:t>He utilizado AutoIncrement para no tener que generar </a:t>
             </a:r>
             <a:r>
               <a:rPr lang="es-ES" u="sng" dirty="0"/>
-              <a:t> </a:t>
+              <a:t>num_despacho </a:t>
             </a:r>
             <a:r>
               <a:rPr lang="es-ES" dirty="0"/>
@@ -4264,15 +3539,7 @@
           <a:p>
             <a:r>
               <a:rPr lang="es-ES" dirty="0"/>
-              <a:t>No he rellenado el campo de </a:t>
-            </a:r>
-            <a:r>
-              <a:rPr lang="es-ES" dirty="0" err="1"/>
-              <a:t>DNI_jefe</a:t>
-            </a:r>
-            <a:r>
-              <a:rPr lang="es-ES" dirty="0"/>
-              <a:t> en ningún caso.</a:t>
+              <a:t>No he rellenado el campo de DNI_jefe en ningún caso.</a:t>
             </a:r>
           </a:p>
         </p:txBody>
@@ -4498,7 +3765,7 @@
           <a:lstStyle/>
           <a:p>
             <a:pPr algn="ctr"/>
-            <a:endParaRPr lang="es-ES"/>
+            <a:endParaRPr lang="es-ES" dirty="0"/>
           </a:p>
         </p:txBody>
       </p:sp>
@@ -4545,7 +3812,7 @@
           <a:lstStyle/>
           <a:p>
             <a:pPr algn="ctr"/>
-            <a:endParaRPr lang="es-ES"/>
+            <a:endParaRPr lang="es-ES" dirty="0"/>
           </a:p>
         </p:txBody>
       </p:sp>
@@ -4581,10 +3848,10 @@
       </p:grpSpPr>
       <p:pic>
         <p:nvPicPr>
-          <p:cNvPr id="4" name="Imagen 3">
-            <a:extLst>
-              <a:ext uri="{FF2B5EF4-FFF2-40B4-BE49-F238E27FC236}">
-                <a16:creationId xmlns:a16="http://schemas.microsoft.com/office/drawing/2014/main" id="{ED9B685B-3A13-BBA5-B06F-B3897F1C29F2}"/>
+          <p:cNvPr id="3" name="Imagen 2">
+            <a:extLst>
+              <a:ext uri="{FF2B5EF4-FFF2-40B4-BE49-F238E27FC236}">
+                <a16:creationId xmlns:a16="http://schemas.microsoft.com/office/drawing/2014/main" id="{A30E1BE6-F5ED-D0D4-0A1F-FD4E548B29F6}"/>
               </a:ext>
             </a:extLst>
           </p:cNvPr>
@@ -4601,8 +3868,8 @@
         </p:blipFill>
         <p:spPr>
           <a:xfrm>
-            <a:off x="409559" y="1115108"/>
-            <a:ext cx="9675042" cy="5515600"/>
+            <a:off x="430836" y="187178"/>
+            <a:ext cx="1562235" cy="1051651"/>
           </a:xfrm>
           <a:prstGeom prst="rect">
             <a:avLst/>
@@ -4623,8 +3890,8 @@
         </p:nvSpPr>
         <p:spPr>
           <a:xfrm>
-            <a:off x="3669326" y="1537896"/>
-            <a:ext cx="3846594" cy="1200329"/>
+            <a:off x="246894" y="4975759"/>
+            <a:ext cx="6288687" cy="1754326"/>
           </a:xfrm>
           <a:prstGeom prst="rect">
             <a:avLst/>
@@ -4639,35 +3906,44 @@
           <a:p>
             <a:r>
               <a:rPr lang="es-ES" dirty="0"/>
-              <a:t>La tabla </a:t>
+              <a:t>He utilizado AutoIncrement para no tener que generar </a:t>
+            </a:r>
+            <a:r>
+              <a:rPr lang="es-ES" u="sng" dirty="0"/>
+              <a:t>cod_</a:t>
+            </a:r>
+            <a:r>
+              <a:rPr lang="es-ES" dirty="0"/>
+              <a:t>pieza en </a:t>
             </a:r>
             <a:r>
               <a:rPr lang="es-ES" i="1" dirty="0"/>
-              <a:t>ejemplar</a:t>
+              <a:t>piezas</a:t>
             </a:r>
             <a:r>
               <a:rPr lang="es-ES" dirty="0"/>
-              <a:t> utiliza como fk la </a:t>
-            </a:r>
+              <a:t>.</a:t>
+            </a:r>
+          </a:p>
+          <a:p>
             <a:r>
               <a:rPr lang="es-ES" u="sng" dirty="0"/>
-              <a:t>clave_libro</a:t>
+              <a:t>Id_proveedor</a:t>
             </a:r>
             <a:r>
               <a:rPr lang="es-ES" dirty="0"/>
-              <a:t> de la tabla </a:t>
+              <a:t> es un char de 4 que he generado para cada proveedor diferente.</a:t>
+            </a:r>
+            <a:endParaRPr lang="es-ES" u="sng" dirty="0"/>
+          </a:p>
+          <a:p>
+            <a:r>
+              <a:rPr lang="es-ES" dirty="0"/>
+              <a:t>He utilizado las entradas creadas en </a:t>
             </a:r>
             <a:r>
               <a:rPr lang="es-ES" i="1" dirty="0"/>
-              <a:t>libro</a:t>
-            </a:r>
-            <a:r>
-              <a:rPr lang="es-ES" dirty="0"/>
-              <a:t>. Ésta también es usada en las tablas </a:t>
-            </a:r>
-            <a:r>
-              <a:rPr lang="es-ES" i="1" dirty="0"/>
-              <a:t>escrito_por</a:t>
+              <a:t>piezas</a:t>
             </a:r>
             <a:r>
               <a:rPr lang="es-ES" dirty="0"/>
@@ -4675,7 +3951,15 @@
             </a:r>
             <a:r>
               <a:rPr lang="es-ES" i="1" dirty="0"/>
-              <a:t>trata_sobre</a:t>
+              <a:t>proveedores</a:t>
+            </a:r>
+            <a:r>
+              <a:rPr lang="es-ES" dirty="0"/>
+              <a:t> para generar las de </a:t>
+            </a:r>
+            <a:r>
+              <a:rPr lang="es-ES" i="1" dirty="0"/>
+              <a:t>suministra</a:t>
             </a:r>
             <a:r>
               <a:rPr lang="es-ES" dirty="0"/>
@@ -4684,12 +3968,197 @@
           </a:p>
         </p:txBody>
       </p:sp>
+      <p:cxnSp>
+        <p:nvCxnSpPr>
+          <p:cNvPr id="12" name="Conector: angular 11">
+            <a:extLst>
+              <a:ext uri="{FF2B5EF4-FFF2-40B4-BE49-F238E27FC236}">
+                <a16:creationId xmlns:a16="http://schemas.microsoft.com/office/drawing/2014/main" id="{CCF103CF-B36B-FE40-5FA7-E0417DE2E43C}"/>
+              </a:ext>
+            </a:extLst>
+          </p:cNvPr>
+          <p:cNvCxnSpPr>
+            <a:cxnSpLocks/>
+            <a:stCxn id="17" idx="1"/>
+            <a:endCxn id="9" idx="1"/>
+          </p:cNvCxnSpPr>
+          <p:nvPr/>
+        </p:nvCxnSpPr>
+        <p:spPr>
+          <a:xfrm rot="10800000" flipV="1">
+            <a:off x="430836" y="719603"/>
+            <a:ext cx="120856" cy="2253012"/>
+          </a:xfrm>
+          <a:prstGeom prst="bentConnector3">
+            <a:avLst>
+              <a:gd name="adj1" fmla="val 289151"/>
+            </a:avLst>
+          </a:prstGeom>
+          <a:ln>
+            <a:tailEnd type="triangle"/>
+          </a:ln>
+        </p:spPr>
+        <p:style>
+          <a:lnRef idx="2">
+            <a:schemeClr val="accent1"/>
+          </a:lnRef>
+          <a:fillRef idx="0">
+            <a:schemeClr val="accent1"/>
+          </a:fillRef>
+          <a:effectRef idx="1">
+            <a:schemeClr val="accent1"/>
+          </a:effectRef>
+          <a:fontRef idx="minor">
+            <a:schemeClr val="tx1"/>
+          </a:fontRef>
+        </p:style>
+      </p:cxnSp>
+      <p:cxnSp>
+        <p:nvCxnSpPr>
+          <p:cNvPr id="16" name="Conector: angular 15">
+            <a:extLst>
+              <a:ext uri="{FF2B5EF4-FFF2-40B4-BE49-F238E27FC236}">
+                <a16:creationId xmlns:a16="http://schemas.microsoft.com/office/drawing/2014/main" id="{A11E3E22-0C95-3251-01F5-8866CC6674DC}"/>
+              </a:ext>
+            </a:extLst>
+          </p:cNvPr>
+          <p:cNvCxnSpPr>
+            <a:cxnSpLocks/>
+            <a:stCxn id="19" idx="3"/>
+            <a:endCxn id="14" idx="0"/>
+          </p:cNvCxnSpPr>
+          <p:nvPr/>
+        </p:nvCxnSpPr>
+        <p:spPr>
+          <a:xfrm flipV="1">
+            <a:off x="1817796" y="413424"/>
+            <a:ext cx="7871595" cy="554499"/>
+          </a:xfrm>
+          <a:prstGeom prst="bentConnector4">
+            <a:avLst>
+              <a:gd name="adj1" fmla="val 35672"/>
+              <a:gd name="adj2" fmla="val 141226"/>
+            </a:avLst>
+          </a:prstGeom>
+          <a:ln>
+            <a:tailEnd type="triangle"/>
+          </a:ln>
+        </p:spPr>
+        <p:style>
+          <a:lnRef idx="2">
+            <a:schemeClr val="accent1"/>
+          </a:lnRef>
+          <a:fillRef idx="0">
+            <a:schemeClr val="accent1"/>
+          </a:fillRef>
+          <a:effectRef idx="1">
+            <a:schemeClr val="accent1"/>
+          </a:effectRef>
+          <a:fontRef idx="minor">
+            <a:schemeClr val="tx1"/>
+          </a:fontRef>
+        </p:style>
+      </p:cxnSp>
+      <p:sp>
+        <p:nvSpPr>
+          <p:cNvPr id="17" name="Rectángulo 16">
+            <a:extLst>
+              <a:ext uri="{FF2B5EF4-FFF2-40B4-BE49-F238E27FC236}">
+                <a16:creationId xmlns:a16="http://schemas.microsoft.com/office/drawing/2014/main" id="{ED3DFBAF-7F99-B221-E63E-405A1C01B824}"/>
+              </a:ext>
+            </a:extLst>
+          </p:cNvPr>
+          <p:cNvSpPr/>
+          <p:nvPr/>
+        </p:nvSpPr>
+        <p:spPr>
+          <a:xfrm>
+            <a:off x="551692" y="639211"/>
+            <a:ext cx="1266104" cy="160784"/>
+          </a:xfrm>
+          <a:prstGeom prst="rect">
+            <a:avLst/>
+          </a:prstGeom>
+          <a:noFill/>
+        </p:spPr>
+        <p:style>
+          <a:lnRef idx="2">
+            <a:schemeClr val="accent1">
+              <a:shade val="15000"/>
+            </a:schemeClr>
+          </a:lnRef>
+          <a:fillRef idx="1">
+            <a:schemeClr val="accent1"/>
+          </a:fillRef>
+          <a:effectRef idx="0">
+            <a:schemeClr val="accent1"/>
+          </a:effectRef>
+          <a:fontRef idx="minor">
+            <a:schemeClr val="lt1"/>
+          </a:fontRef>
+        </p:style>
+        <p:txBody>
+          <a:bodyPr rtlCol="0" anchor="ctr"/>
+          <a:lstStyle/>
+          <a:p>
+            <a:pPr algn="ctr"/>
+            <a:endParaRPr lang="es-ES" dirty="0"/>
+          </a:p>
+        </p:txBody>
+      </p:sp>
+      <p:sp>
+        <p:nvSpPr>
+          <p:cNvPr id="19" name="Rectángulo 18">
+            <a:extLst>
+              <a:ext uri="{FF2B5EF4-FFF2-40B4-BE49-F238E27FC236}">
+                <a16:creationId xmlns:a16="http://schemas.microsoft.com/office/drawing/2014/main" id="{4DCCA3AB-B18F-7F03-FD4E-8D8DECA856B9}"/>
+              </a:ext>
+            </a:extLst>
+          </p:cNvPr>
+          <p:cNvSpPr/>
+          <p:nvPr/>
+        </p:nvSpPr>
+        <p:spPr>
+          <a:xfrm>
+            <a:off x="538991" y="887531"/>
+            <a:ext cx="1278805" cy="160783"/>
+          </a:xfrm>
+          <a:prstGeom prst="rect">
+            <a:avLst/>
+          </a:prstGeom>
+          <a:noFill/>
+        </p:spPr>
+        <p:style>
+          <a:lnRef idx="2">
+            <a:schemeClr val="accent1">
+              <a:shade val="15000"/>
+            </a:schemeClr>
+          </a:lnRef>
+          <a:fillRef idx="1">
+            <a:schemeClr val="accent1"/>
+          </a:fillRef>
+          <a:effectRef idx="0">
+            <a:schemeClr val="accent1"/>
+          </a:effectRef>
+          <a:fontRef idx="minor">
+            <a:schemeClr val="lt1"/>
+          </a:fontRef>
+        </p:style>
+        <p:txBody>
+          <a:bodyPr rtlCol="0" anchor="ctr"/>
+          <a:lstStyle/>
+          <a:p>
+            <a:pPr algn="ctr"/>
+            <a:endParaRPr lang="es-ES" dirty="0"/>
+          </a:p>
+        </p:txBody>
+      </p:sp>
       <p:pic>
         <p:nvPicPr>
-          <p:cNvPr id="10" name="Imagen 9">
-            <a:extLst>
-              <a:ext uri="{FF2B5EF4-FFF2-40B4-BE49-F238E27FC236}">
-                <a16:creationId xmlns:a16="http://schemas.microsoft.com/office/drawing/2014/main" id="{8B15B13D-8E27-99F3-5781-D35112DBA5D1}"/>
+          <p:cNvPr id="9" name="Imagen 8">
+            <a:extLst>
+              <a:ext uri="{FF2B5EF4-FFF2-40B4-BE49-F238E27FC236}">
+                <a16:creationId xmlns:a16="http://schemas.microsoft.com/office/drawing/2014/main" id="{E6D8CF2D-508F-17B2-2697-B1374958E41A}"/>
               </a:ext>
             </a:extLst>
           </p:cNvPr>
@@ -4706,66 +4175,162 @@
         </p:blipFill>
         <p:spPr>
           <a:xfrm>
-            <a:off x="487883" y="227292"/>
-            <a:ext cx="2338694" cy="593669"/>
+            <a:off x="430836" y="1543741"/>
+            <a:ext cx="4633362" cy="2857748"/>
           </a:xfrm>
           <a:prstGeom prst="rect">
             <a:avLst/>
           </a:prstGeom>
         </p:spPr>
       </p:pic>
-      <p:sp>
-        <p:nvSpPr>
-          <p:cNvPr id="12" name="CuadroTexto 11">
-            <a:extLst>
-              <a:ext uri="{FF2B5EF4-FFF2-40B4-BE49-F238E27FC236}">
-                <a16:creationId xmlns:a16="http://schemas.microsoft.com/office/drawing/2014/main" id="{B4361A9A-8401-F8EE-CE43-234E4C6126AF}"/>
-              </a:ext>
-            </a:extLst>
-          </p:cNvPr>
-          <p:cNvSpPr txBox="1"/>
+      <p:pic>
+        <p:nvPicPr>
+          <p:cNvPr id="14" name="Imagen 13">
+            <a:extLst>
+              <a:ext uri="{FF2B5EF4-FFF2-40B4-BE49-F238E27FC236}">
+                <a16:creationId xmlns:a16="http://schemas.microsoft.com/office/drawing/2014/main" id="{E42A6E34-5152-FA97-44A2-FD8FF41482C8}"/>
+              </a:ext>
+            </a:extLst>
+          </p:cNvPr>
+          <p:cNvPicPr>
+            <a:picLocks noChangeAspect="1"/>
+          </p:cNvPicPr>
           <p:nvPr/>
-        </p:nvSpPr>
-        <p:spPr>
-          <a:xfrm>
-            <a:off x="8161304" y="4915276"/>
-            <a:ext cx="3846594" cy="923330"/>
+        </p:nvPicPr>
+        <p:blipFill>
+          <a:blip r:embed="rId4"/>
+          <a:stretch>
+            <a:fillRect/>
+          </a:stretch>
+        </p:blipFill>
+        <p:spPr>
+          <a:xfrm>
+            <a:off x="7433675" y="413424"/>
+            <a:ext cx="4511431" cy="2865368"/>
+          </a:xfrm>
+          <a:prstGeom prst="rect">
+            <a:avLst/>
+          </a:prstGeom>
+        </p:spPr>
+      </p:pic>
+      <p:pic>
+        <p:nvPicPr>
+          <p:cNvPr id="22" name="Imagen 21">
+            <a:extLst>
+              <a:ext uri="{FF2B5EF4-FFF2-40B4-BE49-F238E27FC236}">
+                <a16:creationId xmlns:a16="http://schemas.microsoft.com/office/drawing/2014/main" id="{8FF9EC1F-ACAD-BC97-7192-CF743D261DA1}"/>
+              </a:ext>
+            </a:extLst>
+          </p:cNvPr>
+          <p:cNvPicPr>
+            <a:picLocks noChangeAspect="1"/>
+          </p:cNvPicPr>
+          <p:nvPr/>
+        </p:nvPicPr>
+        <p:blipFill>
+          <a:blip r:embed="rId5"/>
+          <a:stretch>
+            <a:fillRect/>
+          </a:stretch>
+        </p:blipFill>
+        <p:spPr>
+          <a:xfrm>
+            <a:off x="7357468" y="3579209"/>
+            <a:ext cx="4587638" cy="2842506"/>
+          </a:xfrm>
+          <a:prstGeom prst="rect">
+            <a:avLst/>
+          </a:prstGeom>
+        </p:spPr>
+      </p:pic>
+      <p:cxnSp>
+        <p:nvCxnSpPr>
+          <p:cNvPr id="23" name="Conector: angular 22">
+            <a:extLst>
+              <a:ext uri="{FF2B5EF4-FFF2-40B4-BE49-F238E27FC236}">
+                <a16:creationId xmlns:a16="http://schemas.microsoft.com/office/drawing/2014/main" id="{484AB233-E0E5-75DC-89C5-41A157AE8229}"/>
+              </a:ext>
+            </a:extLst>
+          </p:cNvPr>
+          <p:cNvCxnSpPr>
+            <a:cxnSpLocks/>
+            <a:stCxn id="24" idx="3"/>
+            <a:endCxn id="22" idx="1"/>
+          </p:cNvCxnSpPr>
+          <p:nvPr/>
+        </p:nvCxnSpPr>
+        <p:spPr>
+          <a:xfrm>
+            <a:off x="1805095" y="1185299"/>
+            <a:ext cx="5552373" cy="3815163"/>
+          </a:xfrm>
+          <a:prstGeom prst="bentConnector3">
+            <a:avLst>
+              <a:gd name="adj1" fmla="val 89666"/>
+            </a:avLst>
+          </a:prstGeom>
+          <a:ln>
+            <a:tailEnd type="triangle"/>
+          </a:ln>
+        </p:spPr>
+        <p:style>
+          <a:lnRef idx="2">
+            <a:schemeClr val="accent1"/>
+          </a:lnRef>
+          <a:fillRef idx="0">
+            <a:schemeClr val="accent1"/>
+          </a:fillRef>
+          <a:effectRef idx="1">
+            <a:schemeClr val="accent1"/>
+          </a:effectRef>
+          <a:fontRef idx="minor">
+            <a:schemeClr val="tx1"/>
+          </a:fontRef>
+        </p:style>
+      </p:cxnSp>
+      <p:sp>
+        <p:nvSpPr>
+          <p:cNvPr id="24" name="Rectángulo 23">
+            <a:extLst>
+              <a:ext uri="{FF2B5EF4-FFF2-40B4-BE49-F238E27FC236}">
+                <a16:creationId xmlns:a16="http://schemas.microsoft.com/office/drawing/2014/main" id="{8E252C93-45EF-24D4-A04E-F426ACF04A67}"/>
+              </a:ext>
+            </a:extLst>
+          </p:cNvPr>
+          <p:cNvSpPr/>
+          <p:nvPr/>
+        </p:nvSpPr>
+        <p:spPr>
+          <a:xfrm>
+            <a:off x="538991" y="1104907"/>
+            <a:ext cx="1266104" cy="160784"/>
           </a:xfrm>
           <a:prstGeom prst="rect">
             <a:avLst/>
           </a:prstGeom>
           <a:noFill/>
         </p:spPr>
-        <p:txBody>
-          <a:bodyPr wrap="square" rtlCol="0">
-            <a:spAutoFit/>
-          </a:bodyPr>
-          <a:lstStyle/>
-          <a:p>
-            <a:r>
-              <a:rPr lang="es-ES" dirty="0"/>
-              <a:t>A su vez, la tabla </a:t>
-            </a:r>
-            <a:r>
-              <a:rPr lang="es-ES" i="1" dirty="0"/>
-              <a:t>prestamo</a:t>
-            </a:r>
-            <a:r>
-              <a:rPr lang="es-ES" dirty="0"/>
-              <a:t> utiliza como fk la </a:t>
-            </a:r>
-            <a:r>
-              <a:rPr lang="es-ES" u="sng" dirty="0"/>
-              <a:t>clave_ejemplar</a:t>
-            </a:r>
-            <a:r>
-              <a:rPr lang="es-ES" dirty="0"/>
-              <a:t> de la tabla </a:t>
-            </a:r>
-            <a:r>
-              <a:rPr lang="es-ES" i="1" dirty="0"/>
-              <a:t>ejemplar, etc.</a:t>
-            </a:r>
+        <p:style>
+          <a:lnRef idx="2">
+            <a:schemeClr val="accent1">
+              <a:shade val="15000"/>
+            </a:schemeClr>
+          </a:lnRef>
+          <a:fillRef idx="1">
+            <a:schemeClr val="accent1"/>
+          </a:fillRef>
+          <a:effectRef idx="0">
+            <a:schemeClr val="accent1"/>
+          </a:effectRef>
+          <a:fontRef idx="minor">
+            <a:schemeClr val="lt1"/>
+          </a:fontRef>
+        </p:style>
+        <p:txBody>
+          <a:bodyPr rtlCol="0" anchor="ctr"/>
+          <a:lstStyle/>
+          <a:p>
+            <a:pPr algn="ctr"/>
             <a:endParaRPr lang="es-ES" dirty="0"/>
           </a:p>
         </p:txBody>
@@ -4773,7 +4338,7 @@
     </p:spTree>
     <p:extLst>
       <p:ext uri="{BB962C8B-B14F-4D97-AF65-F5344CB8AC3E}">
-        <p14:creationId xmlns:p14="http://schemas.microsoft.com/office/powerpoint/2010/main" val="1296963161"/>
+        <p14:creationId xmlns:p14="http://schemas.microsoft.com/office/powerpoint/2010/main" val="1900710099"/>
       </p:ext>
     </p:extLst>
   </p:cSld>
@@ -4802,10 +4367,10 @@
       </p:grpSpPr>
       <p:pic>
         <p:nvPicPr>
-          <p:cNvPr id="3" name="Imagen 2">
-            <a:extLst>
-              <a:ext uri="{FF2B5EF4-FFF2-40B4-BE49-F238E27FC236}">
-                <a16:creationId xmlns:a16="http://schemas.microsoft.com/office/drawing/2014/main" id="{3C1088A1-EC05-D539-B1DD-0F8CD42E0B45}"/>
+          <p:cNvPr id="4" name="Imagen 3">
+            <a:extLst>
+              <a:ext uri="{FF2B5EF4-FFF2-40B4-BE49-F238E27FC236}">
+                <a16:creationId xmlns:a16="http://schemas.microsoft.com/office/drawing/2014/main" id="{45560471-464A-2128-A46A-5552349DFA6C}"/>
               </a:ext>
             </a:extLst>
           </p:cNvPr>
@@ -4822,20 +4387,416 @@
         </p:blipFill>
         <p:spPr>
           <a:xfrm>
-            <a:off x="600568" y="1497881"/>
-            <a:ext cx="6011317" cy="2090893"/>
+            <a:off x="342661" y="187178"/>
+            <a:ext cx="1684166" cy="1272650"/>
           </a:xfrm>
           <a:prstGeom prst="rect">
             <a:avLst/>
           </a:prstGeom>
         </p:spPr>
       </p:pic>
+      <p:sp>
+        <p:nvSpPr>
+          <p:cNvPr id="7" name="CuadroTexto 6">
+            <a:extLst>
+              <a:ext uri="{FF2B5EF4-FFF2-40B4-BE49-F238E27FC236}">
+                <a16:creationId xmlns:a16="http://schemas.microsoft.com/office/drawing/2014/main" id="{A3376C00-1167-C248-7ABA-701642F2F228}"/>
+              </a:ext>
+            </a:extLst>
+          </p:cNvPr>
+          <p:cNvSpPr txBox="1"/>
+          <p:nvPr/>
+        </p:nvSpPr>
+        <p:spPr>
+          <a:xfrm>
+            <a:off x="246893" y="4975759"/>
+            <a:ext cx="11001209" cy="1754326"/>
+          </a:xfrm>
+          <a:prstGeom prst="rect">
+            <a:avLst/>
+          </a:prstGeom>
+          <a:noFill/>
+        </p:spPr>
+        <p:txBody>
+          <a:bodyPr wrap="square" rtlCol="0">
+            <a:spAutoFit/>
+          </a:bodyPr>
+          <a:lstStyle/>
+          <a:p>
+            <a:r>
+              <a:rPr lang="es-ES" dirty="0"/>
+              <a:t>A partir de este ejercicio pedí a ChatGPT que me crease las entradas de las tablas, ya que eran muchos valores aleatorios que crear, es por eso que por ejemplo los precios son tan altos.</a:t>
+            </a:r>
+          </a:p>
+          <a:p>
+            <a:r>
+              <a:rPr lang="es-ES" dirty="0"/>
+              <a:t>Se podría usar AutoIncrement para no tener que generar </a:t>
+            </a:r>
+            <a:r>
+              <a:rPr lang="es-ES" u="sng" dirty="0"/>
+              <a:t>cod_cajero</a:t>
+            </a:r>
+            <a:r>
+              <a:rPr lang="es-ES" dirty="0"/>
+              <a:t> en </a:t>
+            </a:r>
+            <a:r>
+              <a:rPr lang="es-ES" i="1" dirty="0"/>
+              <a:t>cajeros</a:t>
+            </a:r>
+            <a:r>
+              <a:rPr lang="es-ES" dirty="0"/>
+              <a:t>, igual que en cod_productos y </a:t>
+            </a:r>
+            <a:r>
+              <a:rPr lang="es-ES" u="sng" dirty="0"/>
+              <a:t>cod_maq</a:t>
+            </a:r>
+            <a:r>
+              <a:rPr lang="es-ES" dirty="0"/>
+              <a:t>, pero se ha optado por otro tipo de clasificación numérica. Como no teníamos los atributos delimitados se ha generado el precio y el piso al azar, como en todas las tablas del resto de los ejercicios.</a:t>
+            </a:r>
+          </a:p>
+          <a:p>
+            <a:r>
+              <a:rPr lang="es-ES" dirty="0"/>
+              <a:t>La tabla </a:t>
+            </a:r>
+            <a:r>
+              <a:rPr lang="es-ES" i="1" dirty="0"/>
+              <a:t>venta</a:t>
+            </a:r>
+            <a:r>
+              <a:rPr lang="es-ES" dirty="0"/>
+              <a:t> es la que vincula las otras tres tablas restantes a la vez.</a:t>
+            </a:r>
+          </a:p>
+        </p:txBody>
+      </p:sp>
+      <p:cxnSp>
+        <p:nvCxnSpPr>
+          <p:cNvPr id="12" name="Conector: angular 11">
+            <a:extLst>
+              <a:ext uri="{FF2B5EF4-FFF2-40B4-BE49-F238E27FC236}">
+                <a16:creationId xmlns:a16="http://schemas.microsoft.com/office/drawing/2014/main" id="{CCF103CF-B36B-FE40-5FA7-E0417DE2E43C}"/>
+              </a:ext>
+            </a:extLst>
+          </p:cNvPr>
+          <p:cNvCxnSpPr>
+            <a:cxnSpLocks/>
+            <a:stCxn id="17" idx="1"/>
+            <a:endCxn id="10" idx="1"/>
+          </p:cNvCxnSpPr>
+          <p:nvPr/>
+        </p:nvCxnSpPr>
+        <p:spPr>
+          <a:xfrm rot="10800000" flipV="1">
+            <a:off x="342662" y="719602"/>
+            <a:ext cx="209031" cy="2449599"/>
+          </a:xfrm>
+          <a:prstGeom prst="bentConnector3">
+            <a:avLst>
+              <a:gd name="adj1" fmla="val 209362"/>
+            </a:avLst>
+          </a:prstGeom>
+          <a:ln>
+            <a:tailEnd type="triangle"/>
+          </a:ln>
+        </p:spPr>
+        <p:style>
+          <a:lnRef idx="2">
+            <a:schemeClr val="accent1"/>
+          </a:lnRef>
+          <a:fillRef idx="0">
+            <a:schemeClr val="accent1"/>
+          </a:fillRef>
+          <a:effectRef idx="1">
+            <a:schemeClr val="accent1"/>
+          </a:effectRef>
+          <a:fontRef idx="minor">
+            <a:schemeClr val="tx1"/>
+          </a:fontRef>
+        </p:style>
+      </p:cxnSp>
+      <p:cxnSp>
+        <p:nvCxnSpPr>
+          <p:cNvPr id="16" name="Conector: angular 15">
+            <a:extLst>
+              <a:ext uri="{FF2B5EF4-FFF2-40B4-BE49-F238E27FC236}">
+                <a16:creationId xmlns:a16="http://schemas.microsoft.com/office/drawing/2014/main" id="{A11E3E22-0C95-3251-01F5-8866CC6674DC}"/>
+              </a:ext>
+            </a:extLst>
+          </p:cNvPr>
+          <p:cNvCxnSpPr>
+            <a:cxnSpLocks/>
+            <a:stCxn id="19" idx="3"/>
+            <a:endCxn id="15" idx="0"/>
+          </p:cNvCxnSpPr>
+          <p:nvPr/>
+        </p:nvCxnSpPr>
+        <p:spPr>
+          <a:xfrm>
+            <a:off x="2026827" y="967923"/>
+            <a:ext cx="6888246" cy="787646"/>
+          </a:xfrm>
+          <a:prstGeom prst="bentConnector2">
+            <a:avLst/>
+          </a:prstGeom>
+          <a:ln>
+            <a:tailEnd type="triangle"/>
+          </a:ln>
+        </p:spPr>
+        <p:style>
+          <a:lnRef idx="2">
+            <a:schemeClr val="accent1"/>
+          </a:lnRef>
+          <a:fillRef idx="0">
+            <a:schemeClr val="accent1"/>
+          </a:fillRef>
+          <a:effectRef idx="1">
+            <a:schemeClr val="accent1"/>
+          </a:effectRef>
+          <a:fontRef idx="minor">
+            <a:schemeClr val="tx1"/>
+          </a:fontRef>
+        </p:style>
+      </p:cxnSp>
+      <p:sp>
+        <p:nvSpPr>
+          <p:cNvPr id="17" name="Rectángulo 16">
+            <a:extLst>
+              <a:ext uri="{FF2B5EF4-FFF2-40B4-BE49-F238E27FC236}">
+                <a16:creationId xmlns:a16="http://schemas.microsoft.com/office/drawing/2014/main" id="{ED3DFBAF-7F99-B221-E63E-405A1C01B824}"/>
+              </a:ext>
+            </a:extLst>
+          </p:cNvPr>
+          <p:cNvSpPr/>
+          <p:nvPr/>
+        </p:nvSpPr>
+        <p:spPr>
+          <a:xfrm>
+            <a:off x="551692" y="639211"/>
+            <a:ext cx="1266104" cy="160784"/>
+          </a:xfrm>
+          <a:prstGeom prst="rect">
+            <a:avLst/>
+          </a:prstGeom>
+          <a:noFill/>
+        </p:spPr>
+        <p:style>
+          <a:lnRef idx="2">
+            <a:schemeClr val="accent1">
+              <a:shade val="15000"/>
+            </a:schemeClr>
+          </a:lnRef>
+          <a:fillRef idx="1">
+            <a:schemeClr val="accent1"/>
+          </a:fillRef>
+          <a:effectRef idx="0">
+            <a:schemeClr val="accent1"/>
+          </a:effectRef>
+          <a:fontRef idx="minor">
+            <a:schemeClr val="lt1"/>
+          </a:fontRef>
+        </p:style>
+        <p:txBody>
+          <a:bodyPr rtlCol="0" anchor="ctr"/>
+          <a:lstStyle/>
+          <a:p>
+            <a:pPr algn="ctr"/>
+            <a:endParaRPr lang="es-ES" dirty="0"/>
+          </a:p>
+        </p:txBody>
+      </p:sp>
+      <p:sp>
+        <p:nvSpPr>
+          <p:cNvPr id="19" name="Rectángulo 18">
+            <a:extLst>
+              <a:ext uri="{FF2B5EF4-FFF2-40B4-BE49-F238E27FC236}">
+                <a16:creationId xmlns:a16="http://schemas.microsoft.com/office/drawing/2014/main" id="{4DCCA3AB-B18F-7F03-FD4E-8D8DECA856B9}"/>
+              </a:ext>
+            </a:extLst>
+          </p:cNvPr>
+          <p:cNvSpPr/>
+          <p:nvPr/>
+        </p:nvSpPr>
+        <p:spPr>
+          <a:xfrm>
+            <a:off x="538991" y="887531"/>
+            <a:ext cx="1487836" cy="160784"/>
+          </a:xfrm>
+          <a:prstGeom prst="rect">
+            <a:avLst/>
+          </a:prstGeom>
+          <a:noFill/>
+        </p:spPr>
+        <p:style>
+          <a:lnRef idx="2">
+            <a:schemeClr val="accent1">
+              <a:shade val="15000"/>
+            </a:schemeClr>
+          </a:lnRef>
+          <a:fillRef idx="1">
+            <a:schemeClr val="accent1"/>
+          </a:fillRef>
+          <a:effectRef idx="0">
+            <a:schemeClr val="accent1"/>
+          </a:effectRef>
+          <a:fontRef idx="minor">
+            <a:schemeClr val="lt1"/>
+          </a:fontRef>
+        </p:style>
+        <p:txBody>
+          <a:bodyPr rtlCol="0" anchor="ctr"/>
+          <a:lstStyle/>
+          <a:p>
+            <a:pPr algn="ctr"/>
+            <a:endParaRPr lang="es-ES" dirty="0"/>
+          </a:p>
+        </p:txBody>
+      </p:sp>
+      <p:cxnSp>
+        <p:nvCxnSpPr>
+          <p:cNvPr id="23" name="Conector: angular 22">
+            <a:extLst>
+              <a:ext uri="{FF2B5EF4-FFF2-40B4-BE49-F238E27FC236}">
+                <a16:creationId xmlns:a16="http://schemas.microsoft.com/office/drawing/2014/main" id="{484AB233-E0E5-75DC-89C5-41A157AE8229}"/>
+              </a:ext>
+            </a:extLst>
+          </p:cNvPr>
+          <p:cNvCxnSpPr>
+            <a:cxnSpLocks/>
+          </p:cNvCxnSpPr>
+          <p:nvPr/>
+        </p:nvCxnSpPr>
+        <p:spPr>
+          <a:xfrm>
+            <a:off x="1778327" y="1185299"/>
+            <a:ext cx="5034062" cy="539788"/>
+          </a:xfrm>
+          <a:prstGeom prst="bentConnector2">
+            <a:avLst/>
+          </a:prstGeom>
+          <a:ln>
+            <a:tailEnd type="triangle"/>
+          </a:ln>
+        </p:spPr>
+        <p:style>
+          <a:lnRef idx="2">
+            <a:schemeClr val="accent1"/>
+          </a:lnRef>
+          <a:fillRef idx="0">
+            <a:schemeClr val="accent1"/>
+          </a:fillRef>
+          <a:effectRef idx="1">
+            <a:schemeClr val="accent1"/>
+          </a:effectRef>
+          <a:fontRef idx="minor">
+            <a:schemeClr val="tx1"/>
+          </a:fontRef>
+        </p:style>
+      </p:cxnSp>
+      <p:sp>
+        <p:nvSpPr>
+          <p:cNvPr id="24" name="Rectángulo 23">
+            <a:extLst>
+              <a:ext uri="{FF2B5EF4-FFF2-40B4-BE49-F238E27FC236}">
+                <a16:creationId xmlns:a16="http://schemas.microsoft.com/office/drawing/2014/main" id="{8E252C93-45EF-24D4-A04E-F426ACF04A67}"/>
+              </a:ext>
+            </a:extLst>
+          </p:cNvPr>
+          <p:cNvSpPr/>
+          <p:nvPr/>
+        </p:nvSpPr>
+        <p:spPr>
+          <a:xfrm>
+            <a:off x="538991" y="1104907"/>
+            <a:ext cx="1266104" cy="160784"/>
+          </a:xfrm>
+          <a:prstGeom prst="rect">
+            <a:avLst/>
+          </a:prstGeom>
+          <a:noFill/>
+        </p:spPr>
+        <p:style>
+          <a:lnRef idx="2">
+            <a:schemeClr val="accent1">
+              <a:shade val="15000"/>
+            </a:schemeClr>
+          </a:lnRef>
+          <a:fillRef idx="1">
+            <a:schemeClr val="accent1"/>
+          </a:fillRef>
+          <a:effectRef idx="0">
+            <a:schemeClr val="accent1"/>
+          </a:effectRef>
+          <a:fontRef idx="minor">
+            <a:schemeClr val="lt1"/>
+          </a:fontRef>
+        </p:style>
+        <p:txBody>
+          <a:bodyPr rtlCol="0" anchor="ctr"/>
+          <a:lstStyle/>
+          <a:p>
+            <a:pPr algn="ctr"/>
+            <a:endParaRPr lang="es-ES" dirty="0"/>
+          </a:p>
+        </p:txBody>
+      </p:sp>
+      <p:sp>
+        <p:nvSpPr>
+          <p:cNvPr id="6" name="Rectángulo 5">
+            <a:extLst>
+              <a:ext uri="{FF2B5EF4-FFF2-40B4-BE49-F238E27FC236}">
+                <a16:creationId xmlns:a16="http://schemas.microsoft.com/office/drawing/2014/main" id="{290BF2D6-F362-6DC8-DA7B-2FEE3CB0AB76}"/>
+              </a:ext>
+            </a:extLst>
+          </p:cNvPr>
+          <p:cNvSpPr/>
+          <p:nvPr/>
+        </p:nvSpPr>
+        <p:spPr>
+          <a:xfrm>
+            <a:off x="545289" y="1314465"/>
+            <a:ext cx="860724" cy="145363"/>
+          </a:xfrm>
+          <a:prstGeom prst="rect">
+            <a:avLst/>
+          </a:prstGeom>
+          <a:noFill/>
+        </p:spPr>
+        <p:style>
+          <a:lnRef idx="2">
+            <a:schemeClr val="accent1">
+              <a:shade val="15000"/>
+            </a:schemeClr>
+          </a:lnRef>
+          <a:fillRef idx="1">
+            <a:schemeClr val="accent1"/>
+          </a:fillRef>
+          <a:effectRef idx="0">
+            <a:schemeClr val="accent1"/>
+          </a:effectRef>
+          <a:fontRef idx="minor">
+            <a:schemeClr val="lt1"/>
+          </a:fontRef>
+        </p:style>
+        <p:txBody>
+          <a:bodyPr rtlCol="0" anchor="ctr"/>
+          <a:lstStyle/>
+          <a:p>
+            <a:pPr algn="ctr"/>
+            <a:endParaRPr lang="es-ES" dirty="0"/>
+          </a:p>
+        </p:txBody>
+      </p:sp>
       <p:pic>
         <p:nvPicPr>
-          <p:cNvPr id="8" name="Imagen 7">
-            <a:extLst>
-              <a:ext uri="{FF2B5EF4-FFF2-40B4-BE49-F238E27FC236}">
-                <a16:creationId xmlns:a16="http://schemas.microsoft.com/office/drawing/2014/main" id="{E5944603-68A2-EAD2-B1A3-CE6524FBC079}"/>
+          <p:cNvPr id="10" name="Imagen 9">
+            <a:extLst>
+              <a:ext uri="{FF2B5EF4-FFF2-40B4-BE49-F238E27FC236}">
+                <a16:creationId xmlns:a16="http://schemas.microsoft.com/office/drawing/2014/main" id="{4021F066-5044-A83B-0D0B-16CA7D83356C}"/>
               </a:ext>
             </a:extLst>
           </p:cNvPr>
@@ -4844,85 +4805,155 @@
           </p:cNvPicPr>
           <p:nvPr/>
         </p:nvPicPr>
-        <p:blipFill>
+        <p:blipFill rotWithShape="1">
           <a:blip r:embed="rId3"/>
-          <a:stretch>
-            <a:fillRect/>
-          </a:stretch>
+          <a:srcRect l="54343"/>
+          <a:stretch/>
         </p:blipFill>
         <p:spPr>
           <a:xfrm>
-            <a:off x="600568" y="284143"/>
-            <a:ext cx="3284775" cy="571264"/>
+            <a:off x="342661" y="1747949"/>
+            <a:ext cx="1868420" cy="2842506"/>
           </a:xfrm>
           <a:prstGeom prst="rect">
             <a:avLst/>
           </a:prstGeom>
         </p:spPr>
       </p:pic>
-      <p:sp>
-        <p:nvSpPr>
-          <p:cNvPr id="9" name="CuadroTexto 8">
-            <a:extLst>
-              <a:ext uri="{FF2B5EF4-FFF2-40B4-BE49-F238E27FC236}">
-                <a16:creationId xmlns:a16="http://schemas.microsoft.com/office/drawing/2014/main" id="{00243663-38C8-E705-C618-AE8338FD2971}"/>
-              </a:ext>
-            </a:extLst>
-          </p:cNvPr>
-          <p:cNvSpPr txBox="1"/>
+      <p:pic>
+        <p:nvPicPr>
+          <p:cNvPr id="15" name="Imagen 14">
+            <a:extLst>
+              <a:ext uri="{FF2B5EF4-FFF2-40B4-BE49-F238E27FC236}">
+                <a16:creationId xmlns:a16="http://schemas.microsoft.com/office/drawing/2014/main" id="{9422D1B1-0E52-4267-5DB4-508D1DEF6AF3}"/>
+              </a:ext>
+            </a:extLst>
+          </p:cNvPr>
+          <p:cNvPicPr>
+            <a:picLocks noChangeAspect="1"/>
+          </p:cNvPicPr>
           <p:nvPr/>
-        </p:nvSpPr>
-        <p:spPr>
-          <a:xfrm>
-            <a:off x="5262150" y="1497881"/>
-            <a:ext cx="5504171" cy="646331"/>
+        </p:nvPicPr>
+        <p:blipFill rotWithShape="1">
+          <a:blip r:embed="rId4"/>
+          <a:srcRect l="66025"/>
+          <a:stretch/>
+        </p:blipFill>
+        <p:spPr>
+          <a:xfrm>
+            <a:off x="8329932" y="1755569"/>
+            <a:ext cx="1170281" cy="2834886"/>
           </a:xfrm>
           <a:prstGeom prst="rect">
             <a:avLst/>
           </a:prstGeom>
-          <a:noFill/>
-        </p:spPr>
-        <p:txBody>
-          <a:bodyPr wrap="square" rtlCol="0">
-            <a:spAutoFit/>
-          </a:bodyPr>
-          <a:lstStyle/>
-          <a:p>
-            <a:r>
-              <a:rPr lang="es-ES" dirty="0"/>
-              <a:t>La tabla </a:t>
-            </a:r>
-            <a:r>
-              <a:rPr lang="es-ES" i="1" dirty="0"/>
-              <a:t>articulos</a:t>
-            </a:r>
-            <a:r>
-              <a:rPr lang="es-ES" dirty="0"/>
-              <a:t> utiliza como fk el </a:t>
-            </a:r>
-            <a:r>
-              <a:rPr lang="es-ES" u="sng" dirty="0"/>
-              <a:t>cod_</a:t>
-            </a:r>
-            <a:r>
-              <a:rPr lang="es-ES" dirty="0"/>
-              <a:t>fabricantes de la tabla </a:t>
-            </a:r>
-            <a:r>
-              <a:rPr lang="es-ES" i="1" dirty="0"/>
-              <a:t>fabricantes</a:t>
-            </a:r>
-            <a:r>
-              <a:rPr lang="es-ES" dirty="0"/>
-              <a:t>. </a:t>
-            </a:r>
-          </a:p>
-        </p:txBody>
-      </p:sp>
+        </p:spPr>
+      </p:pic>
+      <p:pic>
+        <p:nvPicPr>
+          <p:cNvPr id="21" name="Imagen 20">
+            <a:extLst>
+              <a:ext uri="{FF2B5EF4-FFF2-40B4-BE49-F238E27FC236}">
+                <a16:creationId xmlns:a16="http://schemas.microsoft.com/office/drawing/2014/main" id="{C32D0453-6F8B-FC48-258A-8DBC4335FC53}"/>
+              </a:ext>
+            </a:extLst>
+          </p:cNvPr>
+          <p:cNvPicPr>
+            <a:picLocks noChangeAspect="1"/>
+          </p:cNvPicPr>
+          <p:nvPr/>
+        </p:nvPicPr>
+        <p:blipFill rotWithShape="1">
+          <a:blip r:embed="rId5"/>
+          <a:srcRect l="49216"/>
+          <a:stretch/>
+        </p:blipFill>
+        <p:spPr>
+          <a:xfrm>
+            <a:off x="5654913" y="1725087"/>
+            <a:ext cx="2368487" cy="2834886"/>
+          </a:xfrm>
+          <a:prstGeom prst="rect">
+            <a:avLst/>
+          </a:prstGeom>
+        </p:spPr>
+      </p:pic>
+      <p:pic>
+        <p:nvPicPr>
+          <p:cNvPr id="28" name="Imagen 27">
+            <a:extLst>
+              <a:ext uri="{FF2B5EF4-FFF2-40B4-BE49-F238E27FC236}">
+                <a16:creationId xmlns:a16="http://schemas.microsoft.com/office/drawing/2014/main" id="{5B466DA8-91C1-7546-CA32-ECF7ADF28B28}"/>
+              </a:ext>
+            </a:extLst>
+          </p:cNvPr>
+          <p:cNvPicPr>
+            <a:picLocks noChangeAspect="1"/>
+          </p:cNvPicPr>
+          <p:nvPr/>
+        </p:nvPicPr>
+        <p:blipFill rotWithShape="1">
+          <a:blip r:embed="rId6"/>
+          <a:srcRect l="45799"/>
+          <a:stretch/>
+        </p:blipFill>
+        <p:spPr>
+          <a:xfrm>
+            <a:off x="2610163" y="1725087"/>
+            <a:ext cx="2672436" cy="2865368"/>
+          </a:xfrm>
+          <a:prstGeom prst="rect">
+            <a:avLst/>
+          </a:prstGeom>
+        </p:spPr>
+      </p:pic>
+      <p:cxnSp>
+        <p:nvCxnSpPr>
+          <p:cNvPr id="39" name="Conector: angular 38">
+            <a:extLst>
+              <a:ext uri="{FF2B5EF4-FFF2-40B4-BE49-F238E27FC236}">
+                <a16:creationId xmlns:a16="http://schemas.microsoft.com/office/drawing/2014/main" id="{0AA10154-D5FD-424E-1C62-417735D38A66}"/>
+              </a:ext>
+            </a:extLst>
+          </p:cNvPr>
+          <p:cNvCxnSpPr>
+            <a:cxnSpLocks/>
+            <a:stCxn id="6" idx="3"/>
+            <a:endCxn id="28" idx="0"/>
+          </p:cNvCxnSpPr>
+          <p:nvPr/>
+        </p:nvCxnSpPr>
+        <p:spPr>
+          <a:xfrm>
+            <a:off x="1406013" y="1387147"/>
+            <a:ext cx="2540368" cy="337940"/>
+          </a:xfrm>
+          <a:prstGeom prst="bentConnector2">
+            <a:avLst/>
+          </a:prstGeom>
+          <a:ln>
+            <a:tailEnd type="triangle"/>
+          </a:ln>
+        </p:spPr>
+        <p:style>
+          <a:lnRef idx="2">
+            <a:schemeClr val="accent1"/>
+          </a:lnRef>
+          <a:fillRef idx="0">
+            <a:schemeClr val="accent1"/>
+          </a:fillRef>
+          <a:effectRef idx="1">
+            <a:schemeClr val="accent1"/>
+          </a:effectRef>
+          <a:fontRef idx="minor">
+            <a:schemeClr val="tx1"/>
+          </a:fontRef>
+        </p:style>
+      </p:cxnSp>
     </p:spTree>
     <p:extLst>
       <p:ext uri="{BB962C8B-B14F-4D97-AF65-F5344CB8AC3E}">
-        <p14:creationId xmlns:p14="http://schemas.microsoft.com/office/powerpoint/2010/main" val="2150297991"/>
+        <p14:creationId xmlns:p14="http://schemas.microsoft.com/office/powerpoint/2010/main" val="3719635706"/>
       </p:ext>
     </p:extLst>
   </p:cSld>
@@ -4951,10 +4982,10 @@
       </p:grpSpPr>
       <p:pic>
         <p:nvPicPr>
-          <p:cNvPr id="11" name="Imagen 10">
-            <a:extLst>
-              <a:ext uri="{FF2B5EF4-FFF2-40B4-BE49-F238E27FC236}">
-                <a16:creationId xmlns:a16="http://schemas.microsoft.com/office/drawing/2014/main" id="{2ED0A345-4B63-521A-4154-3002E6143472}"/>
+          <p:cNvPr id="3" name="Imagen 2">
+            <a:extLst>
+              <a:ext uri="{FF2B5EF4-FFF2-40B4-BE49-F238E27FC236}">
+                <a16:creationId xmlns:a16="http://schemas.microsoft.com/office/drawing/2014/main" id="{5E30D568-6A2B-A485-46B5-0C80C4FFFB38}"/>
               </a:ext>
             </a:extLst>
           </p:cNvPr>
@@ -4971,8 +5002,8 @@
         </p:blipFill>
         <p:spPr>
           <a:xfrm>
-            <a:off x="678587" y="1497881"/>
-            <a:ext cx="6211245" cy="2179384"/>
+            <a:off x="342661" y="187178"/>
+            <a:ext cx="1546994" cy="1303133"/>
           </a:xfrm>
           <a:prstGeom prst="rect">
             <a:avLst/>
@@ -4981,10 +5012,10 @@
       </p:pic>
       <p:sp>
         <p:nvSpPr>
-          <p:cNvPr id="9" name="CuadroTexto 8">
-            <a:extLst>
-              <a:ext uri="{FF2B5EF4-FFF2-40B4-BE49-F238E27FC236}">
-                <a16:creationId xmlns:a16="http://schemas.microsoft.com/office/drawing/2014/main" id="{00243663-38C8-E705-C618-AE8338FD2971}"/>
+          <p:cNvPr id="7" name="CuadroTexto 6">
+            <a:extLst>
+              <a:ext uri="{FF2B5EF4-FFF2-40B4-BE49-F238E27FC236}">
+                <a16:creationId xmlns:a16="http://schemas.microsoft.com/office/drawing/2014/main" id="{A3376C00-1167-C248-7ABA-701642F2F228}"/>
               </a:ext>
             </a:extLst>
           </p:cNvPr>
@@ -4993,8 +5024,8 @@
         </p:nvSpPr>
         <p:spPr>
           <a:xfrm>
-            <a:off x="5262150" y="1497881"/>
-            <a:ext cx="5504171" cy="646331"/>
+            <a:off x="177555" y="4916496"/>
+            <a:ext cx="11001209" cy="1200329"/>
           </a:xfrm>
           <a:prstGeom prst="rect">
             <a:avLst/>
@@ -5009,19 +5040,57 @@
           <a:p>
             <a:r>
               <a:rPr lang="es-ES" dirty="0"/>
+              <a:t>Se podría usar AutoIncrement para no tener que generar </a:t>
+            </a:r>
+            <a:r>
+              <a:rPr lang="es-ES" u="sng" dirty="0"/>
+              <a:t>cod_facultad</a:t>
+            </a:r>
+            <a:r>
+              <a:rPr lang="es-ES" dirty="0"/>
+              <a:t> en </a:t>
+            </a:r>
+            <a:r>
+              <a:rPr lang="es-ES" i="1" dirty="0"/>
+              <a:t>facultad</a:t>
+            </a:r>
+            <a:r>
+              <a:rPr lang="es-ES" dirty="0"/>
+              <a:t>; esta PK se utiliza como FK en </a:t>
+            </a:r>
+            <a:r>
+              <a:rPr lang="es-ES" i="1" dirty="0"/>
+              <a:t>investigadores</a:t>
+            </a:r>
+            <a:r>
+              <a:rPr lang="es-ES" dirty="0"/>
+              <a:t> y </a:t>
+            </a:r>
+            <a:r>
+              <a:rPr lang="es-ES" i="1" dirty="0"/>
+              <a:t>equipos</a:t>
+            </a:r>
+            <a:r>
+              <a:rPr lang="es-ES" dirty="0"/>
+              <a:t>.</a:t>
+            </a:r>
+          </a:p>
+          <a:p>
+            <a:r>
+              <a:rPr lang="es-ES" dirty="0"/>
               <a:t>La tabla </a:t>
             </a:r>
             <a:r>
               <a:rPr lang="es-ES" i="1" dirty="0"/>
-              <a:t>empleados</a:t>
+              <a:t>reserva</a:t>
             </a:r>
             <a:r>
               <a:rPr lang="es-ES" dirty="0"/>
-              <a:t> utiliza como fk el </a:t>
+              <a:t> es la otra tabla que utiliza FK, concretamente utiliza </a:t>
             </a:r>
             <a:r>
               <a:rPr lang="es-ES" u="sng" dirty="0"/>
-              <a:t>cod_departamento</a:t>
+              <a:t>DNI</a:t>
             </a:r>
             <a:r>
               <a:rPr lang="es-ES" dirty="0"/>
@@ -5029,21 +5098,398 @@
             </a:r>
             <a:r>
               <a:rPr lang="es-ES" i="1" dirty="0"/>
-              <a:t>departamentos</a:t>
+              <a:t>investigadores</a:t>
             </a:r>
             <a:r>
               <a:rPr lang="es-ES" dirty="0"/>
-              <a:t>. </a:t>
-            </a:r>
-          </a:p>
-        </p:txBody>
-      </p:sp>
+              <a:t> y </a:t>
+            </a:r>
+            <a:r>
+              <a:rPr lang="es-ES" u="sng" dirty="0"/>
+              <a:t>num_serie</a:t>
+            </a:r>
+            <a:r>
+              <a:rPr lang="es-ES" dirty="0"/>
+              <a:t> de la tabla </a:t>
+            </a:r>
+            <a:r>
+              <a:rPr lang="es-ES" i="1" dirty="0"/>
+              <a:t>equipos</a:t>
+            </a:r>
+            <a:r>
+              <a:rPr lang="es-ES" dirty="0"/>
+              <a:t>; además, genera las fechas de comiendo y fin requeridas.</a:t>
+            </a:r>
+          </a:p>
+        </p:txBody>
+      </p:sp>
+      <p:cxnSp>
+        <p:nvCxnSpPr>
+          <p:cNvPr id="12" name="Conector: angular 11">
+            <a:extLst>
+              <a:ext uri="{FF2B5EF4-FFF2-40B4-BE49-F238E27FC236}">
+                <a16:creationId xmlns:a16="http://schemas.microsoft.com/office/drawing/2014/main" id="{CCF103CF-B36B-FE40-5FA7-E0417DE2E43C}"/>
+              </a:ext>
+            </a:extLst>
+          </p:cNvPr>
+          <p:cNvCxnSpPr>
+            <a:cxnSpLocks/>
+            <a:stCxn id="17" idx="1"/>
+            <a:endCxn id="8" idx="1"/>
+          </p:cNvCxnSpPr>
+          <p:nvPr/>
+        </p:nvCxnSpPr>
+        <p:spPr>
+          <a:xfrm rot="10800000" flipV="1">
+            <a:off x="177556" y="719602"/>
+            <a:ext cx="374136" cy="2441977"/>
+          </a:xfrm>
+          <a:prstGeom prst="bentConnector3">
+            <a:avLst>
+              <a:gd name="adj1" fmla="val 132193"/>
+            </a:avLst>
+          </a:prstGeom>
+          <a:ln>
+            <a:tailEnd type="triangle"/>
+          </a:ln>
+        </p:spPr>
+        <p:style>
+          <a:lnRef idx="2">
+            <a:schemeClr val="accent1"/>
+          </a:lnRef>
+          <a:fillRef idx="0">
+            <a:schemeClr val="accent1"/>
+          </a:fillRef>
+          <a:effectRef idx="1">
+            <a:schemeClr val="accent1"/>
+          </a:effectRef>
+          <a:fontRef idx="minor">
+            <a:schemeClr val="tx1"/>
+          </a:fontRef>
+        </p:style>
+      </p:cxnSp>
+      <p:cxnSp>
+        <p:nvCxnSpPr>
+          <p:cNvPr id="16" name="Conector: angular 15">
+            <a:extLst>
+              <a:ext uri="{FF2B5EF4-FFF2-40B4-BE49-F238E27FC236}">
+                <a16:creationId xmlns:a16="http://schemas.microsoft.com/office/drawing/2014/main" id="{A11E3E22-0C95-3251-01F5-8866CC6674DC}"/>
+              </a:ext>
+            </a:extLst>
+          </p:cNvPr>
+          <p:cNvCxnSpPr>
+            <a:cxnSpLocks/>
+            <a:stCxn id="19" idx="3"/>
+            <a:endCxn id="13" idx="0"/>
+          </p:cNvCxnSpPr>
+          <p:nvPr/>
+        </p:nvCxnSpPr>
+        <p:spPr>
+          <a:xfrm>
+            <a:off x="2026827" y="967923"/>
+            <a:ext cx="8907764" cy="757164"/>
+          </a:xfrm>
+          <a:prstGeom prst="bentConnector2">
+            <a:avLst/>
+          </a:prstGeom>
+          <a:ln>
+            <a:tailEnd type="triangle"/>
+          </a:ln>
+        </p:spPr>
+        <p:style>
+          <a:lnRef idx="2">
+            <a:schemeClr val="accent1"/>
+          </a:lnRef>
+          <a:fillRef idx="0">
+            <a:schemeClr val="accent1"/>
+          </a:fillRef>
+          <a:effectRef idx="1">
+            <a:schemeClr val="accent1"/>
+          </a:effectRef>
+          <a:fontRef idx="minor">
+            <a:schemeClr val="tx1"/>
+          </a:fontRef>
+        </p:style>
+      </p:cxnSp>
+      <p:sp>
+        <p:nvSpPr>
+          <p:cNvPr id="17" name="Rectángulo 16">
+            <a:extLst>
+              <a:ext uri="{FF2B5EF4-FFF2-40B4-BE49-F238E27FC236}">
+                <a16:creationId xmlns:a16="http://schemas.microsoft.com/office/drawing/2014/main" id="{ED3DFBAF-7F99-B221-E63E-405A1C01B824}"/>
+              </a:ext>
+            </a:extLst>
+          </p:cNvPr>
+          <p:cNvSpPr/>
+          <p:nvPr/>
+        </p:nvSpPr>
+        <p:spPr>
+          <a:xfrm>
+            <a:off x="551692" y="639211"/>
+            <a:ext cx="1266104" cy="160784"/>
+          </a:xfrm>
+          <a:prstGeom prst="rect">
+            <a:avLst/>
+          </a:prstGeom>
+          <a:noFill/>
+        </p:spPr>
+        <p:style>
+          <a:lnRef idx="2">
+            <a:schemeClr val="accent1">
+              <a:shade val="15000"/>
+            </a:schemeClr>
+          </a:lnRef>
+          <a:fillRef idx="1">
+            <a:schemeClr val="accent1"/>
+          </a:fillRef>
+          <a:effectRef idx="0">
+            <a:schemeClr val="accent1"/>
+          </a:effectRef>
+          <a:fontRef idx="minor">
+            <a:schemeClr val="lt1"/>
+          </a:fontRef>
+        </p:style>
+        <p:txBody>
+          <a:bodyPr rtlCol="0" anchor="ctr"/>
+          <a:lstStyle/>
+          <a:p>
+            <a:pPr algn="ctr"/>
+            <a:endParaRPr lang="es-ES" dirty="0"/>
+          </a:p>
+        </p:txBody>
+      </p:sp>
+      <p:sp>
+        <p:nvSpPr>
+          <p:cNvPr id="19" name="Rectángulo 18">
+            <a:extLst>
+              <a:ext uri="{FF2B5EF4-FFF2-40B4-BE49-F238E27FC236}">
+                <a16:creationId xmlns:a16="http://schemas.microsoft.com/office/drawing/2014/main" id="{4DCCA3AB-B18F-7F03-FD4E-8D8DECA856B9}"/>
+              </a:ext>
+            </a:extLst>
+          </p:cNvPr>
+          <p:cNvSpPr/>
+          <p:nvPr/>
+        </p:nvSpPr>
+        <p:spPr>
+          <a:xfrm>
+            <a:off x="538991" y="887531"/>
+            <a:ext cx="1487836" cy="160784"/>
+          </a:xfrm>
+          <a:prstGeom prst="rect">
+            <a:avLst/>
+          </a:prstGeom>
+          <a:noFill/>
+        </p:spPr>
+        <p:style>
+          <a:lnRef idx="2">
+            <a:schemeClr val="accent1">
+              <a:shade val="15000"/>
+            </a:schemeClr>
+          </a:lnRef>
+          <a:fillRef idx="1">
+            <a:schemeClr val="accent1"/>
+          </a:fillRef>
+          <a:effectRef idx="0">
+            <a:schemeClr val="accent1"/>
+          </a:effectRef>
+          <a:fontRef idx="minor">
+            <a:schemeClr val="lt1"/>
+          </a:fontRef>
+        </p:style>
+        <p:txBody>
+          <a:bodyPr rtlCol="0" anchor="ctr"/>
+          <a:lstStyle/>
+          <a:p>
+            <a:pPr algn="ctr"/>
+            <a:endParaRPr lang="es-ES" dirty="0"/>
+          </a:p>
+        </p:txBody>
+      </p:sp>
+      <p:cxnSp>
+        <p:nvCxnSpPr>
+          <p:cNvPr id="23" name="Conector: angular 22">
+            <a:extLst>
+              <a:ext uri="{FF2B5EF4-FFF2-40B4-BE49-F238E27FC236}">
+                <a16:creationId xmlns:a16="http://schemas.microsoft.com/office/drawing/2014/main" id="{484AB233-E0E5-75DC-89C5-41A157AE8229}"/>
+              </a:ext>
+            </a:extLst>
+          </p:cNvPr>
+          <p:cNvCxnSpPr>
+            <a:cxnSpLocks/>
+            <a:endCxn id="20" idx="0"/>
+          </p:cNvCxnSpPr>
+          <p:nvPr/>
+        </p:nvCxnSpPr>
+        <p:spPr>
+          <a:xfrm>
+            <a:off x="1805095" y="1185299"/>
+            <a:ext cx="6491035" cy="577891"/>
+          </a:xfrm>
+          <a:prstGeom prst="bentConnector2">
+            <a:avLst/>
+          </a:prstGeom>
+          <a:ln>
+            <a:tailEnd type="triangle"/>
+          </a:ln>
+        </p:spPr>
+        <p:style>
+          <a:lnRef idx="2">
+            <a:schemeClr val="accent1"/>
+          </a:lnRef>
+          <a:fillRef idx="0">
+            <a:schemeClr val="accent1"/>
+          </a:fillRef>
+          <a:effectRef idx="1">
+            <a:schemeClr val="accent1"/>
+          </a:effectRef>
+          <a:fontRef idx="minor">
+            <a:schemeClr val="tx1"/>
+          </a:fontRef>
+        </p:style>
+      </p:cxnSp>
+      <p:sp>
+        <p:nvSpPr>
+          <p:cNvPr id="24" name="Rectángulo 23">
+            <a:extLst>
+              <a:ext uri="{FF2B5EF4-FFF2-40B4-BE49-F238E27FC236}">
+                <a16:creationId xmlns:a16="http://schemas.microsoft.com/office/drawing/2014/main" id="{8E252C93-45EF-24D4-A04E-F426ACF04A67}"/>
+              </a:ext>
+            </a:extLst>
+          </p:cNvPr>
+          <p:cNvSpPr/>
+          <p:nvPr/>
+        </p:nvSpPr>
+        <p:spPr>
+          <a:xfrm>
+            <a:off x="538991" y="1104907"/>
+            <a:ext cx="1266104" cy="160784"/>
+          </a:xfrm>
+          <a:prstGeom prst="rect">
+            <a:avLst/>
+          </a:prstGeom>
+          <a:noFill/>
+        </p:spPr>
+        <p:style>
+          <a:lnRef idx="2">
+            <a:schemeClr val="accent1">
+              <a:shade val="15000"/>
+            </a:schemeClr>
+          </a:lnRef>
+          <a:fillRef idx="1">
+            <a:schemeClr val="accent1"/>
+          </a:fillRef>
+          <a:effectRef idx="0">
+            <a:schemeClr val="accent1"/>
+          </a:effectRef>
+          <a:fontRef idx="minor">
+            <a:schemeClr val="lt1"/>
+          </a:fontRef>
+        </p:style>
+        <p:txBody>
+          <a:bodyPr rtlCol="0" anchor="ctr"/>
+          <a:lstStyle/>
+          <a:p>
+            <a:pPr algn="ctr"/>
+            <a:endParaRPr lang="es-ES" dirty="0"/>
+          </a:p>
+        </p:txBody>
+      </p:sp>
+      <p:sp>
+        <p:nvSpPr>
+          <p:cNvPr id="6" name="Rectángulo 5">
+            <a:extLst>
+              <a:ext uri="{FF2B5EF4-FFF2-40B4-BE49-F238E27FC236}">
+                <a16:creationId xmlns:a16="http://schemas.microsoft.com/office/drawing/2014/main" id="{290BF2D6-F362-6DC8-DA7B-2FEE3CB0AB76}"/>
+              </a:ext>
+            </a:extLst>
+          </p:cNvPr>
+          <p:cNvSpPr/>
+          <p:nvPr/>
+        </p:nvSpPr>
+        <p:spPr>
+          <a:xfrm>
+            <a:off x="545289" y="1314465"/>
+            <a:ext cx="860724" cy="145363"/>
+          </a:xfrm>
+          <a:prstGeom prst="rect">
+            <a:avLst/>
+          </a:prstGeom>
+          <a:noFill/>
+        </p:spPr>
+        <p:style>
+          <a:lnRef idx="2">
+            <a:schemeClr val="accent1">
+              <a:shade val="15000"/>
+            </a:schemeClr>
+          </a:lnRef>
+          <a:fillRef idx="1">
+            <a:schemeClr val="accent1"/>
+          </a:fillRef>
+          <a:effectRef idx="0">
+            <a:schemeClr val="accent1"/>
+          </a:effectRef>
+          <a:fontRef idx="minor">
+            <a:schemeClr val="lt1"/>
+          </a:fontRef>
+        </p:style>
+        <p:txBody>
+          <a:bodyPr rtlCol="0" anchor="ctr"/>
+          <a:lstStyle/>
+          <a:p>
+            <a:pPr algn="ctr"/>
+            <a:endParaRPr lang="es-ES" dirty="0"/>
+          </a:p>
+        </p:txBody>
+      </p:sp>
+      <p:cxnSp>
+        <p:nvCxnSpPr>
+          <p:cNvPr id="39" name="Conector: angular 38">
+            <a:extLst>
+              <a:ext uri="{FF2B5EF4-FFF2-40B4-BE49-F238E27FC236}">
+                <a16:creationId xmlns:a16="http://schemas.microsoft.com/office/drawing/2014/main" id="{0AA10154-D5FD-424E-1C62-417735D38A66}"/>
+              </a:ext>
+            </a:extLst>
+          </p:cNvPr>
+          <p:cNvCxnSpPr>
+            <a:cxnSpLocks/>
+            <a:stCxn id="6" idx="3"/>
+            <a:endCxn id="26" idx="0"/>
+          </p:cNvCxnSpPr>
+          <p:nvPr/>
+        </p:nvCxnSpPr>
+        <p:spPr>
+          <a:xfrm>
+            <a:off x="1406013" y="1387147"/>
+            <a:ext cx="4061995" cy="337939"/>
+          </a:xfrm>
+          <a:prstGeom prst="bentConnector2">
+            <a:avLst/>
+          </a:prstGeom>
+          <a:ln>
+            <a:tailEnd type="triangle"/>
+          </a:ln>
+        </p:spPr>
+        <p:style>
+          <a:lnRef idx="2">
+            <a:schemeClr val="accent1"/>
+          </a:lnRef>
+          <a:fillRef idx="0">
+            <a:schemeClr val="accent1"/>
+          </a:fillRef>
+          <a:effectRef idx="1">
+            <a:schemeClr val="accent1"/>
+          </a:effectRef>
+          <a:fontRef idx="minor">
+            <a:schemeClr val="tx1"/>
+          </a:fontRef>
+        </p:style>
+      </p:cxnSp>
       <p:pic>
         <p:nvPicPr>
-          <p:cNvPr id="7" name="Imagen 6">
-            <a:extLst>
-              <a:ext uri="{FF2B5EF4-FFF2-40B4-BE49-F238E27FC236}">
-                <a16:creationId xmlns:a16="http://schemas.microsoft.com/office/drawing/2014/main" id="{6FDADD43-4FDA-F8DB-4DEF-B1C2A18D36F0}"/>
+          <p:cNvPr id="8" name="Imagen 7">
+            <a:extLst>
+              <a:ext uri="{FF2B5EF4-FFF2-40B4-BE49-F238E27FC236}">
+                <a16:creationId xmlns:a16="http://schemas.microsoft.com/office/drawing/2014/main" id="{45990902-FA28-3195-C9E4-5C921BB69CC6}"/>
               </a:ext>
             </a:extLst>
           </p:cNvPr>
@@ -5060,50 +5506,20 @@
         </p:blipFill>
         <p:spPr>
           <a:xfrm>
-            <a:off x="600568" y="284143"/>
-            <a:ext cx="3284775" cy="577543"/>
+            <a:off x="177556" y="1744137"/>
+            <a:ext cx="3772227" cy="2834886"/>
           </a:xfrm>
           <a:prstGeom prst="rect">
             <a:avLst/>
           </a:prstGeom>
         </p:spPr>
       </p:pic>
-    </p:spTree>
-    <p:extLst>
-      <p:ext uri="{BB962C8B-B14F-4D97-AF65-F5344CB8AC3E}">
-        <p14:creationId xmlns:p14="http://schemas.microsoft.com/office/powerpoint/2010/main" val="3142514357"/>
-      </p:ext>
-    </p:extLst>
-  </p:cSld>
-  <p:clrMapOvr>
-    <a:masterClrMapping/>
-  </p:clrMapOvr>
-</p:sld>
-</file>
-
-<file path=ppt/slides/slide6.xml><?xml version="1.0" encoding="utf-8"?>
-<p:sld xmlns:a="http://schemas.openxmlformats.org/drawingml/2006/main" xmlns:r="http://schemas.openxmlformats.org/officeDocument/2006/relationships" xmlns:p="http://schemas.openxmlformats.org/presentationml/2006/main">
-  <p:cSld>
-    <p:spTree>
-      <p:nvGrpSpPr>
-        <p:cNvPr id="1" name=""/>
-        <p:cNvGrpSpPr/>
-        <p:nvPr/>
-      </p:nvGrpSpPr>
-      <p:grpSpPr>
-        <a:xfrm>
-          <a:off x="0" y="0"/>
-          <a:ext cx="0" cy="0"/>
-          <a:chOff x="0" y="0"/>
-          <a:chExt cx="0" cy="0"/>
-        </a:xfrm>
-      </p:grpSpPr>
       <p:pic>
         <p:nvPicPr>
-          <p:cNvPr id="3" name="Imagen 2">
-            <a:extLst>
-              <a:ext uri="{FF2B5EF4-FFF2-40B4-BE49-F238E27FC236}">
-                <a16:creationId xmlns:a16="http://schemas.microsoft.com/office/drawing/2014/main" id="{53E49649-B05B-1DD8-ED43-DF6B06EC76AD}"/>
+          <p:cNvPr id="13" name="Imagen 12">
+            <a:extLst>
+              <a:ext uri="{FF2B5EF4-FFF2-40B4-BE49-F238E27FC236}">
+                <a16:creationId xmlns:a16="http://schemas.microsoft.com/office/drawing/2014/main" id="{EE2E9FDD-7F26-036C-0964-CE127A848068}"/>
               </a:ext>
             </a:extLst>
           </p:cNvPr>
@@ -5113,86 +5529,27 @@
           <p:nvPr/>
         </p:nvPicPr>
         <p:blipFill>
-          <a:blip r:embed="rId2"/>
+          <a:blip r:embed="rId4"/>
           <a:stretch>
             <a:fillRect/>
           </a:stretch>
         </p:blipFill>
         <p:spPr>
           <a:xfrm>
-            <a:off x="446804" y="1357281"/>
-            <a:ext cx="5649196" cy="2220072"/>
+            <a:off x="9677182" y="1725087"/>
+            <a:ext cx="2514818" cy="2872989"/>
           </a:xfrm>
           <a:prstGeom prst="rect">
             <a:avLst/>
           </a:prstGeom>
         </p:spPr>
       </p:pic>
-      <p:sp>
-        <p:nvSpPr>
-          <p:cNvPr id="9" name="CuadroTexto 8">
-            <a:extLst>
-              <a:ext uri="{FF2B5EF4-FFF2-40B4-BE49-F238E27FC236}">
-                <a16:creationId xmlns:a16="http://schemas.microsoft.com/office/drawing/2014/main" id="{00243663-38C8-E705-C618-AE8338FD2971}"/>
-              </a:ext>
-            </a:extLst>
-          </p:cNvPr>
-          <p:cNvSpPr txBox="1"/>
-          <p:nvPr/>
-        </p:nvSpPr>
-        <p:spPr>
-          <a:xfrm>
-            <a:off x="5262150" y="1497881"/>
-            <a:ext cx="5504171" cy="646331"/>
-          </a:xfrm>
-          <a:prstGeom prst="rect">
-            <a:avLst/>
-          </a:prstGeom>
-          <a:noFill/>
-        </p:spPr>
-        <p:txBody>
-          <a:bodyPr wrap="square" rtlCol="0">
-            <a:spAutoFit/>
-          </a:bodyPr>
-          <a:lstStyle/>
-          <a:p>
-            <a:r>
-              <a:rPr lang="es-ES" dirty="0"/>
-              <a:t>La tabla </a:t>
-            </a:r>
-            <a:r>
-              <a:rPr lang="es-ES" i="1" dirty="0"/>
-              <a:t>cajas</a:t>
-            </a:r>
-            <a:r>
-              <a:rPr lang="es-ES" dirty="0"/>
-              <a:t> utiliza como fk el </a:t>
-            </a:r>
-            <a:r>
-              <a:rPr lang="es-ES" u="sng" dirty="0"/>
-              <a:t>cod_almacen</a:t>
-            </a:r>
-            <a:r>
-              <a:rPr lang="es-ES" dirty="0"/>
-              <a:t> de la tabla </a:t>
-            </a:r>
-            <a:r>
-              <a:rPr lang="es-ES" i="1" dirty="0"/>
-              <a:t>almacenes</a:t>
-            </a:r>
-            <a:r>
-              <a:rPr lang="es-ES" dirty="0"/>
-              <a:t>. </a:t>
-            </a:r>
-          </a:p>
-        </p:txBody>
-      </p:sp>
       <p:pic>
         <p:nvPicPr>
-          <p:cNvPr id="6" name="Imagen 5">
-            <a:extLst>
-              <a:ext uri="{FF2B5EF4-FFF2-40B4-BE49-F238E27FC236}">
-                <a16:creationId xmlns:a16="http://schemas.microsoft.com/office/drawing/2014/main" id="{F21AA86D-3DEC-FEFB-D8A4-B86D18230C31}"/>
+          <p:cNvPr id="20" name="Imagen 19">
+            <a:extLst>
+              <a:ext uri="{FF2B5EF4-FFF2-40B4-BE49-F238E27FC236}">
+                <a16:creationId xmlns:a16="http://schemas.microsoft.com/office/drawing/2014/main" id="{872A24BD-6ECD-406A-A2B3-430CF6BDA7A8}"/>
               </a:ext>
             </a:extLst>
           </p:cNvPr>
@@ -5202,57 +5559,27 @@
           <p:nvPr/>
         </p:nvPicPr>
         <p:blipFill>
-          <a:blip r:embed="rId3"/>
+          <a:blip r:embed="rId5"/>
           <a:stretch>
             <a:fillRect/>
           </a:stretch>
         </p:blipFill>
         <p:spPr>
           <a:xfrm>
-            <a:off x="600569" y="339817"/>
-            <a:ext cx="3499484" cy="524923"/>
+            <a:off x="6962514" y="1763190"/>
+            <a:ext cx="2667231" cy="2834886"/>
           </a:xfrm>
           <a:prstGeom prst="rect">
             <a:avLst/>
           </a:prstGeom>
         </p:spPr>
       </p:pic>
-    </p:spTree>
-    <p:extLst>
-      <p:ext uri="{BB962C8B-B14F-4D97-AF65-F5344CB8AC3E}">
-        <p14:creationId xmlns:p14="http://schemas.microsoft.com/office/powerpoint/2010/main" val="653324719"/>
-      </p:ext>
-    </p:extLst>
-  </p:cSld>
-  <p:clrMapOvr>
-    <a:masterClrMapping/>
-  </p:clrMapOvr>
-</p:sld>
-</file>
-
-<file path=ppt/slides/slide7.xml><?xml version="1.0" encoding="utf-8"?>
-<p:sld xmlns:a="http://schemas.openxmlformats.org/drawingml/2006/main" xmlns:r="http://schemas.openxmlformats.org/officeDocument/2006/relationships" xmlns:p="http://schemas.openxmlformats.org/presentationml/2006/main">
-  <p:cSld>
-    <p:spTree>
-      <p:nvGrpSpPr>
-        <p:cNvPr id="1" name=""/>
-        <p:cNvGrpSpPr/>
-        <p:nvPr/>
-      </p:nvGrpSpPr>
-      <p:grpSpPr>
-        <a:xfrm>
-          <a:off x="0" y="0"/>
-          <a:ext cx="0" cy="0"/>
-          <a:chOff x="0" y="0"/>
-          <a:chExt cx="0" cy="0"/>
-        </a:xfrm>
-      </p:grpSpPr>
       <p:pic>
         <p:nvPicPr>
-          <p:cNvPr id="4" name="Imagen 3">
-            <a:extLst>
-              <a:ext uri="{FF2B5EF4-FFF2-40B4-BE49-F238E27FC236}">
-                <a16:creationId xmlns:a16="http://schemas.microsoft.com/office/drawing/2014/main" id="{E801DB9F-768B-C0DC-884C-3946789B8FCD}"/>
+          <p:cNvPr id="26" name="Imagen 25">
+            <a:extLst>
+              <a:ext uri="{FF2B5EF4-FFF2-40B4-BE49-F238E27FC236}">
+                <a16:creationId xmlns:a16="http://schemas.microsoft.com/office/drawing/2014/main" id="{D4A28F03-0B32-9106-A0BC-76886462C9F3}"/>
               </a:ext>
             </a:extLst>
           </p:cNvPr>
@@ -5262,104 +5589,15 @@
           <p:nvPr/>
         </p:nvPicPr>
         <p:blipFill>
-          <a:blip r:embed="rId2"/>
+          <a:blip r:embed="rId6"/>
           <a:stretch>
             <a:fillRect/>
           </a:stretch>
         </p:blipFill>
         <p:spPr>
           <a:xfrm>
-            <a:off x="220358" y="747246"/>
-            <a:ext cx="7759389" cy="2681754"/>
-          </a:xfrm>
-          <a:prstGeom prst="rect">
-            <a:avLst/>
-          </a:prstGeom>
-        </p:spPr>
-      </p:pic>
-      <p:sp>
-        <p:nvSpPr>
-          <p:cNvPr id="9" name="CuadroTexto 8">
-            <a:extLst>
-              <a:ext uri="{FF2B5EF4-FFF2-40B4-BE49-F238E27FC236}">
-                <a16:creationId xmlns:a16="http://schemas.microsoft.com/office/drawing/2014/main" id="{00243663-38C8-E705-C618-AE8338FD2971}"/>
-              </a:ext>
-            </a:extLst>
-          </p:cNvPr>
-          <p:cNvSpPr txBox="1"/>
-          <p:nvPr/>
-        </p:nvSpPr>
-        <p:spPr>
-          <a:xfrm>
-            <a:off x="5547286" y="2903894"/>
-            <a:ext cx="5504171" cy="646331"/>
-          </a:xfrm>
-          <a:prstGeom prst="rect">
-            <a:avLst/>
-          </a:prstGeom>
-          <a:noFill/>
-        </p:spPr>
-        <p:txBody>
-          <a:bodyPr wrap="square" rtlCol="0">
-            <a:spAutoFit/>
-          </a:bodyPr>
-          <a:lstStyle/>
-          <a:p>
-            <a:r>
-              <a:rPr lang="es-ES" dirty="0"/>
-              <a:t>La tabla </a:t>
-            </a:r>
-            <a:r>
-              <a:rPr lang="es-ES" i="1" dirty="0"/>
-              <a:t>salas</a:t>
-            </a:r>
-            <a:r>
-              <a:rPr lang="es-ES" dirty="0"/>
-              <a:t> utiliza como fk el </a:t>
-            </a:r>
-            <a:r>
-              <a:rPr lang="es-ES" u="sng" dirty="0"/>
-              <a:t>cod_pelicula</a:t>
-            </a:r>
-            <a:r>
-              <a:rPr lang="es-ES" dirty="0"/>
-              <a:t> de la tabla </a:t>
-            </a:r>
-            <a:r>
-              <a:rPr lang="es-ES" i="1" dirty="0"/>
-              <a:t>peliculas</a:t>
-            </a:r>
-            <a:r>
-              <a:rPr lang="es-ES" dirty="0"/>
-              <a:t>. </a:t>
-            </a:r>
-          </a:p>
-        </p:txBody>
-      </p:sp>
-      <p:pic>
-        <p:nvPicPr>
-          <p:cNvPr id="8" name="Imagen 7">
-            <a:extLst>
-              <a:ext uri="{FF2B5EF4-FFF2-40B4-BE49-F238E27FC236}">
-                <a16:creationId xmlns:a16="http://schemas.microsoft.com/office/drawing/2014/main" id="{CADB0CCA-19CE-38C6-7148-AD9F797C33E8}"/>
-              </a:ext>
-            </a:extLst>
-          </p:cNvPr>
-          <p:cNvPicPr>
-            <a:picLocks noChangeAspect="1"/>
-          </p:cNvPicPr>
-          <p:nvPr/>
-        </p:nvPicPr>
-        <p:blipFill>
-          <a:blip r:embed="rId3"/>
-          <a:stretch>
-            <a:fillRect/>
-          </a:stretch>
-        </p:blipFill>
-        <p:spPr>
-          <a:xfrm>
-            <a:off x="600569" y="253311"/>
-            <a:ext cx="3587973" cy="640709"/>
+            <a:off x="3997220" y="1725086"/>
+            <a:ext cx="2941575" cy="2872989"/>
           </a:xfrm>
           <a:prstGeom prst="rect">
             <a:avLst/>
@@ -5369,372 +5607,7 @@
     </p:spTree>
     <p:extLst>
       <p:ext uri="{BB962C8B-B14F-4D97-AF65-F5344CB8AC3E}">
-        <p14:creationId xmlns:p14="http://schemas.microsoft.com/office/powerpoint/2010/main" val="2245770454"/>
-      </p:ext>
-    </p:extLst>
-  </p:cSld>
-  <p:clrMapOvr>
-    <a:masterClrMapping/>
-  </p:clrMapOvr>
-</p:sld>
-</file>
-
-<file path=ppt/slides/slide8.xml><?xml version="1.0" encoding="utf-8"?>
-<p:sld xmlns:a="http://schemas.openxmlformats.org/drawingml/2006/main" xmlns:r="http://schemas.openxmlformats.org/officeDocument/2006/relationships" xmlns:p="http://schemas.openxmlformats.org/presentationml/2006/main">
-  <p:cSld>
-    <p:spTree>
-      <p:nvGrpSpPr>
-        <p:cNvPr id="1" name=""/>
-        <p:cNvGrpSpPr/>
-        <p:nvPr/>
-      </p:nvGrpSpPr>
-      <p:grpSpPr>
-        <a:xfrm>
-          <a:off x="0" y="0"/>
-          <a:ext cx="0" cy="0"/>
-          <a:chOff x="0" y="0"/>
-          <a:chExt cx="0" cy="0"/>
-        </a:xfrm>
-      </p:grpSpPr>
-      <p:sp>
-        <p:nvSpPr>
-          <p:cNvPr id="9" name="CuadroTexto 8">
-            <a:extLst>
-              <a:ext uri="{FF2B5EF4-FFF2-40B4-BE49-F238E27FC236}">
-                <a16:creationId xmlns:a16="http://schemas.microsoft.com/office/drawing/2014/main" id="{00243663-38C8-E705-C618-AE8338FD2971}"/>
-              </a:ext>
-            </a:extLst>
-          </p:cNvPr>
-          <p:cNvSpPr txBox="1"/>
-          <p:nvPr/>
-        </p:nvSpPr>
-        <p:spPr>
-          <a:xfrm>
-            <a:off x="4996679" y="1547042"/>
-            <a:ext cx="5504171" cy="646331"/>
-          </a:xfrm>
-          <a:prstGeom prst="rect">
-            <a:avLst/>
-          </a:prstGeom>
-          <a:noFill/>
-        </p:spPr>
-        <p:txBody>
-          <a:bodyPr wrap="square" rtlCol="0">
-            <a:spAutoFit/>
-          </a:bodyPr>
-          <a:lstStyle/>
-          <a:p>
-            <a:r>
-              <a:rPr lang="es-ES" dirty="0"/>
-              <a:t>La tabla </a:t>
-            </a:r>
-            <a:r>
-              <a:rPr lang="es-ES" i="1" dirty="0"/>
-              <a:t>directores</a:t>
-            </a:r>
-            <a:r>
-              <a:rPr lang="es-ES" dirty="0"/>
-              <a:t> utiliza como fk el </a:t>
-            </a:r>
-            <a:r>
-              <a:rPr lang="es-ES" u="sng" dirty="0"/>
-              <a:t>num_despacho</a:t>
-            </a:r>
-            <a:r>
-              <a:rPr lang="es-ES" dirty="0"/>
-              <a:t> de la tabla </a:t>
-            </a:r>
-            <a:r>
-              <a:rPr lang="es-ES" i="1" dirty="0"/>
-              <a:t>despachos</a:t>
-            </a:r>
-            <a:r>
-              <a:rPr lang="es-ES" dirty="0"/>
-              <a:t>. </a:t>
-            </a:r>
-          </a:p>
-        </p:txBody>
-      </p:sp>
-      <p:pic>
-        <p:nvPicPr>
-          <p:cNvPr id="3" name="Imagen 2">
-            <a:extLst>
-              <a:ext uri="{FF2B5EF4-FFF2-40B4-BE49-F238E27FC236}">
-                <a16:creationId xmlns:a16="http://schemas.microsoft.com/office/drawing/2014/main" id="{85114673-F2F5-5E4B-56D7-ADACF5F26283}"/>
-              </a:ext>
-            </a:extLst>
-          </p:cNvPr>
-          <p:cNvPicPr>
-            <a:picLocks noChangeAspect="1"/>
-          </p:cNvPicPr>
-          <p:nvPr/>
-        </p:nvPicPr>
-        <p:blipFill>
-          <a:blip r:embed="rId2"/>
-          <a:stretch>
-            <a:fillRect/>
-          </a:stretch>
-        </p:blipFill>
-        <p:spPr>
-          <a:xfrm>
-            <a:off x="375119" y="1262786"/>
-            <a:ext cx="3691909" cy="3633677"/>
-          </a:xfrm>
-          <a:prstGeom prst="rect">
-            <a:avLst/>
-          </a:prstGeom>
-        </p:spPr>
-      </p:pic>
-      <p:pic>
-        <p:nvPicPr>
-          <p:cNvPr id="7" name="Imagen 6">
-            <a:extLst>
-              <a:ext uri="{FF2B5EF4-FFF2-40B4-BE49-F238E27FC236}">
-                <a16:creationId xmlns:a16="http://schemas.microsoft.com/office/drawing/2014/main" id="{4F7ABEA5-3ABE-64A5-1660-83DCD295E152}"/>
-              </a:ext>
-            </a:extLst>
-          </p:cNvPr>
-          <p:cNvPicPr>
-            <a:picLocks noChangeAspect="1"/>
-          </p:cNvPicPr>
-          <p:nvPr/>
-        </p:nvPicPr>
-        <p:blipFill>
-          <a:blip r:embed="rId3"/>
-          <a:stretch>
-            <a:fillRect/>
-          </a:stretch>
-        </p:blipFill>
-        <p:spPr>
-          <a:xfrm>
-            <a:off x="600569" y="253311"/>
-            <a:ext cx="3466459" cy="603708"/>
-          </a:xfrm>
-          <a:prstGeom prst="rect">
-            <a:avLst/>
-          </a:prstGeom>
-        </p:spPr>
-      </p:pic>
-      <p:sp>
-        <p:nvSpPr>
-          <p:cNvPr id="10" name="CuadroTexto 9">
-            <a:extLst>
-              <a:ext uri="{FF2B5EF4-FFF2-40B4-BE49-F238E27FC236}">
-                <a16:creationId xmlns:a16="http://schemas.microsoft.com/office/drawing/2014/main" id="{C7B47374-F8E9-67CE-89C1-026CE75276B7}"/>
-              </a:ext>
-            </a:extLst>
-          </p:cNvPr>
-          <p:cNvSpPr txBox="1"/>
-          <p:nvPr/>
-        </p:nvSpPr>
-        <p:spPr>
-          <a:xfrm>
-            <a:off x="4996679" y="3203778"/>
-            <a:ext cx="5504171" cy="1200329"/>
-          </a:xfrm>
-          <a:prstGeom prst="rect">
-            <a:avLst/>
-          </a:prstGeom>
-          <a:noFill/>
-        </p:spPr>
-        <p:txBody>
-          <a:bodyPr wrap="square" rtlCol="0">
-            <a:spAutoFit/>
-          </a:bodyPr>
-          <a:lstStyle/>
-          <a:p>
-            <a:r>
-              <a:rPr lang="es-ES" dirty="0"/>
-              <a:t>Además, la tabla </a:t>
-            </a:r>
-            <a:r>
-              <a:rPr lang="es-ES" i="1" dirty="0"/>
-              <a:t>directores</a:t>
-            </a:r>
-            <a:r>
-              <a:rPr lang="es-ES" dirty="0"/>
-              <a:t> utiliza como fk el </a:t>
-            </a:r>
-            <a:r>
-              <a:rPr lang="es-ES" u="sng" dirty="0"/>
-              <a:t>DNI</a:t>
-            </a:r>
-            <a:r>
-              <a:rPr lang="es-ES" dirty="0"/>
-              <a:t> de la misma tabla, y lo utiliza como DNI_jefe, ya que la relación entre directores puede significar que un director tenga un director.</a:t>
-            </a:r>
-          </a:p>
-        </p:txBody>
-      </p:sp>
-    </p:spTree>
-    <p:extLst>
-      <p:ext uri="{BB962C8B-B14F-4D97-AF65-F5344CB8AC3E}">
-        <p14:creationId xmlns:p14="http://schemas.microsoft.com/office/powerpoint/2010/main" val="3458910597"/>
-      </p:ext>
-    </p:extLst>
-  </p:cSld>
-  <p:clrMapOvr>
-    <a:masterClrMapping/>
-  </p:clrMapOvr>
-</p:sld>
-</file>
-
-<file path=ppt/slides/slide9.xml><?xml version="1.0" encoding="utf-8"?>
-<p:sld xmlns:a="http://schemas.openxmlformats.org/drawingml/2006/main" xmlns:r="http://schemas.openxmlformats.org/officeDocument/2006/relationships" xmlns:p="http://schemas.openxmlformats.org/presentationml/2006/main">
-  <p:cSld>
-    <p:spTree>
-      <p:nvGrpSpPr>
-        <p:cNvPr id="1" name=""/>
-        <p:cNvGrpSpPr/>
-        <p:nvPr/>
-      </p:nvGrpSpPr>
-      <p:grpSpPr>
-        <a:xfrm>
-          <a:off x="0" y="0"/>
-          <a:ext cx="0" cy="0"/>
-          <a:chOff x="0" y="0"/>
-          <a:chExt cx="0" cy="0"/>
-        </a:xfrm>
-      </p:grpSpPr>
-      <p:sp>
-        <p:nvSpPr>
-          <p:cNvPr id="9" name="CuadroTexto 8">
-            <a:extLst>
-              <a:ext uri="{FF2B5EF4-FFF2-40B4-BE49-F238E27FC236}">
-                <a16:creationId xmlns:a16="http://schemas.microsoft.com/office/drawing/2014/main" id="{00243663-38C8-E705-C618-AE8338FD2971}"/>
-              </a:ext>
-            </a:extLst>
-          </p:cNvPr>
-          <p:cNvSpPr txBox="1"/>
-          <p:nvPr/>
-        </p:nvSpPr>
-        <p:spPr>
-          <a:xfrm>
-            <a:off x="3215065" y="3429000"/>
-            <a:ext cx="5504171" cy="646331"/>
-          </a:xfrm>
-          <a:prstGeom prst="rect">
-            <a:avLst/>
-          </a:prstGeom>
-          <a:noFill/>
-        </p:spPr>
-        <p:txBody>
-          <a:bodyPr wrap="square" rtlCol="0">
-            <a:spAutoFit/>
-          </a:bodyPr>
-          <a:lstStyle/>
-          <a:p>
-            <a:r>
-              <a:rPr lang="es-ES" dirty="0"/>
-              <a:t>La tabla </a:t>
-            </a:r>
-            <a:r>
-              <a:rPr lang="es-ES" i="1" dirty="0"/>
-              <a:t>suministra</a:t>
-            </a:r>
-            <a:r>
-              <a:rPr lang="es-ES" dirty="0"/>
-              <a:t> utiliza como fk el </a:t>
-            </a:r>
-            <a:r>
-              <a:rPr lang="es-ES" u="sng" dirty="0"/>
-              <a:t>cod_pieza</a:t>
-            </a:r>
-            <a:r>
-              <a:rPr lang="es-ES" dirty="0"/>
-              <a:t> de la tabla </a:t>
-            </a:r>
-            <a:r>
-              <a:rPr lang="es-ES" i="1" dirty="0"/>
-              <a:t>piezas</a:t>
-            </a:r>
-            <a:r>
-              <a:rPr lang="es-ES" dirty="0"/>
-              <a:t> e </a:t>
-            </a:r>
-            <a:r>
-              <a:rPr lang="es-ES" u="sng" dirty="0"/>
-              <a:t>id_proveedor</a:t>
-            </a:r>
-            <a:r>
-              <a:rPr lang="es-ES" dirty="0"/>
-              <a:t> de la tabla </a:t>
-            </a:r>
-            <a:r>
-              <a:rPr lang="es-ES" i="1" dirty="0"/>
-              <a:t>proveedores</a:t>
-            </a:r>
-            <a:r>
-              <a:rPr lang="es-ES" dirty="0"/>
-              <a:t>. </a:t>
-            </a:r>
-          </a:p>
-        </p:txBody>
-      </p:sp>
-      <p:pic>
-        <p:nvPicPr>
-          <p:cNvPr id="4" name="Imagen 3">
-            <a:extLst>
-              <a:ext uri="{FF2B5EF4-FFF2-40B4-BE49-F238E27FC236}">
-                <a16:creationId xmlns:a16="http://schemas.microsoft.com/office/drawing/2014/main" id="{B8C1537A-FEE0-EBD2-8CC5-0286B6F55473}"/>
-              </a:ext>
-            </a:extLst>
-          </p:cNvPr>
-          <p:cNvPicPr>
-            <a:picLocks noChangeAspect="1"/>
-          </p:cNvPicPr>
-          <p:nvPr/>
-        </p:nvPicPr>
-        <p:blipFill>
-          <a:blip r:embed="rId2"/>
-          <a:stretch>
-            <a:fillRect/>
-          </a:stretch>
-        </p:blipFill>
-        <p:spPr>
-          <a:xfrm>
-            <a:off x="600569" y="1258012"/>
-            <a:ext cx="10733165" cy="1695258"/>
-          </a:xfrm>
-          <a:prstGeom prst="rect">
-            <a:avLst/>
-          </a:prstGeom>
-        </p:spPr>
-      </p:pic>
-      <p:pic>
-        <p:nvPicPr>
-          <p:cNvPr id="6" name="Imagen 5">
-            <a:extLst>
-              <a:ext uri="{FF2B5EF4-FFF2-40B4-BE49-F238E27FC236}">
-                <a16:creationId xmlns:a16="http://schemas.microsoft.com/office/drawing/2014/main" id="{F8C7BC2A-5F03-3CF6-3152-D9DAD5FD56BA}"/>
-              </a:ext>
-            </a:extLst>
-          </p:cNvPr>
-          <p:cNvPicPr>
-            <a:picLocks noChangeAspect="1"/>
-          </p:cNvPicPr>
-          <p:nvPr/>
-        </p:nvPicPr>
-        <p:blipFill>
-          <a:blip r:embed="rId3"/>
-          <a:stretch>
-            <a:fillRect/>
-          </a:stretch>
-        </p:blipFill>
-        <p:spPr>
-          <a:xfrm>
-            <a:off x="600569" y="389500"/>
-            <a:ext cx="4315560" cy="467519"/>
-          </a:xfrm>
-          <a:prstGeom prst="rect">
-            <a:avLst/>
-          </a:prstGeom>
-        </p:spPr>
-      </p:pic>
-    </p:spTree>
-    <p:extLst>
-      <p:ext uri="{BB962C8B-B14F-4D97-AF65-F5344CB8AC3E}">
-        <p14:creationId xmlns:p14="http://schemas.microsoft.com/office/powerpoint/2010/main" val="3296390493"/>
+        <p14:creationId xmlns:p14="http://schemas.microsoft.com/office/powerpoint/2010/main" val="2527133815"/>
       </p:ext>
     </p:extLst>
   </p:cSld>
